--- a/Wikidocs/variable_icons.pptx
+++ b/Wikidocs/variable_icons.pptx
@@ -104,6 +104,11 @@
       </a:defRPr>
     </a:lvl9pPr>
   </p:defaultTextStyle>
+  <p:extLst>
+    <p:ext uri="{EFAFB233-063F-42B5-8137-9DF3F51BA10A}">
+      <p15:sldGuideLst xmlns:p15="http://schemas.microsoft.com/office/powerpoint/2012/main"/>
+    </p:ext>
+  </p:extLst>
 </p:presentation>
 </file>
 
@@ -254,7 +259,7 @@
           <a:p>
             <a:fld id="{FB4E8B56-EE13-4C77-84B6-FA7DE9B8063B}" type="datetimeFigureOut">
               <a:rPr lang="en-US" smtClean="0"/>
-              <a:t>12/9/2022</a:t>
+              <a:t>12/14/2022</a:t>
             </a:fld>
             <a:endParaRPr lang="en-US"/>
           </a:p>
@@ -452,7 +457,7 @@
           <a:p>
             <a:fld id="{FB4E8B56-EE13-4C77-84B6-FA7DE9B8063B}" type="datetimeFigureOut">
               <a:rPr lang="en-US" smtClean="0"/>
-              <a:t>12/9/2022</a:t>
+              <a:t>12/14/2022</a:t>
             </a:fld>
             <a:endParaRPr lang="en-US"/>
           </a:p>
@@ -660,7 +665,7 @@
           <a:p>
             <a:fld id="{FB4E8B56-EE13-4C77-84B6-FA7DE9B8063B}" type="datetimeFigureOut">
               <a:rPr lang="en-US" smtClean="0"/>
-              <a:t>12/9/2022</a:t>
+              <a:t>12/14/2022</a:t>
             </a:fld>
             <a:endParaRPr lang="en-US"/>
           </a:p>
@@ -858,7 +863,7 @@
           <a:p>
             <a:fld id="{FB4E8B56-EE13-4C77-84B6-FA7DE9B8063B}" type="datetimeFigureOut">
               <a:rPr lang="en-US" smtClean="0"/>
-              <a:t>12/9/2022</a:t>
+              <a:t>12/14/2022</a:t>
             </a:fld>
             <a:endParaRPr lang="en-US"/>
           </a:p>
@@ -1133,7 +1138,7 @@
           <a:p>
             <a:fld id="{FB4E8B56-EE13-4C77-84B6-FA7DE9B8063B}" type="datetimeFigureOut">
               <a:rPr lang="en-US" smtClean="0"/>
-              <a:t>12/9/2022</a:t>
+              <a:t>12/14/2022</a:t>
             </a:fld>
             <a:endParaRPr lang="en-US"/>
           </a:p>
@@ -1398,7 +1403,7 @@
           <a:p>
             <a:fld id="{FB4E8B56-EE13-4C77-84B6-FA7DE9B8063B}" type="datetimeFigureOut">
               <a:rPr lang="en-US" smtClean="0"/>
-              <a:t>12/9/2022</a:t>
+              <a:t>12/14/2022</a:t>
             </a:fld>
             <a:endParaRPr lang="en-US"/>
           </a:p>
@@ -1810,7 +1815,7 @@
           <a:p>
             <a:fld id="{FB4E8B56-EE13-4C77-84B6-FA7DE9B8063B}" type="datetimeFigureOut">
               <a:rPr lang="en-US" smtClean="0"/>
-              <a:t>12/9/2022</a:t>
+              <a:t>12/14/2022</a:t>
             </a:fld>
             <a:endParaRPr lang="en-US"/>
           </a:p>
@@ -1951,7 +1956,7 @@
           <a:p>
             <a:fld id="{FB4E8B56-EE13-4C77-84B6-FA7DE9B8063B}" type="datetimeFigureOut">
               <a:rPr lang="en-US" smtClean="0"/>
-              <a:t>12/9/2022</a:t>
+              <a:t>12/14/2022</a:t>
             </a:fld>
             <a:endParaRPr lang="en-US"/>
           </a:p>
@@ -2064,7 +2069,7 @@
           <a:p>
             <a:fld id="{FB4E8B56-EE13-4C77-84B6-FA7DE9B8063B}" type="datetimeFigureOut">
               <a:rPr lang="en-US" smtClean="0"/>
-              <a:t>12/9/2022</a:t>
+              <a:t>12/14/2022</a:t>
             </a:fld>
             <a:endParaRPr lang="en-US"/>
           </a:p>
@@ -2375,7 +2380,7 @@
           <a:p>
             <a:fld id="{FB4E8B56-EE13-4C77-84B6-FA7DE9B8063B}" type="datetimeFigureOut">
               <a:rPr lang="en-US" smtClean="0"/>
-              <a:t>12/9/2022</a:t>
+              <a:t>12/14/2022</a:t>
             </a:fld>
             <a:endParaRPr lang="en-US"/>
           </a:p>
@@ -2663,7 +2668,7 @@
           <a:p>
             <a:fld id="{FB4E8B56-EE13-4C77-84B6-FA7DE9B8063B}" type="datetimeFigureOut">
               <a:rPr lang="en-US" smtClean="0"/>
-              <a:t>12/9/2022</a:t>
+              <a:t>12/14/2022</a:t>
             </a:fld>
             <a:endParaRPr lang="en-US"/>
           </a:p>
@@ -2904,7 +2909,7 @@
           <a:p>
             <a:fld id="{FB4E8B56-EE13-4C77-84B6-FA7DE9B8063B}" type="datetimeFigureOut">
               <a:rPr lang="en-US" smtClean="0"/>
-              <a:t>12/9/2022</a:t>
+              <a:t>12/14/2022</a:t>
             </a:fld>
             <a:endParaRPr lang="en-US"/>
           </a:p>
@@ -3323,6 +3328,58 @@
       </p:grpSpPr>
       <p:sp>
         <p:nvSpPr>
+          <p:cNvPr id="154" name="Arc 153">
+            <a:extLst>
+              <a:ext uri="{FF2B5EF4-FFF2-40B4-BE49-F238E27FC236}">
+                <a16:creationId xmlns:a16="http://schemas.microsoft.com/office/drawing/2014/main" id="{589DA6A3-5A54-0373-DB74-B2C45C1719DE}"/>
+              </a:ext>
+            </a:extLst>
+          </p:cNvPr>
+          <p:cNvSpPr/>
+          <p:nvPr/>
+        </p:nvSpPr>
+        <p:spPr>
+          <a:xfrm>
+            <a:off x="8467453" y="2895341"/>
+            <a:ext cx="2831992" cy="2199753"/>
+          </a:xfrm>
+          <a:prstGeom prst="arc">
+            <a:avLst>
+              <a:gd name="adj1" fmla="val 10983520"/>
+              <a:gd name="adj2" fmla="val 15923016"/>
+            </a:avLst>
+          </a:prstGeom>
+          <a:ln w="88900">
+            <a:solidFill>
+              <a:srgbClr val="2F528F"/>
+            </a:solidFill>
+          </a:ln>
+        </p:spPr>
+        <p:style>
+          <a:lnRef idx="1">
+            <a:schemeClr val="accent1"/>
+          </a:lnRef>
+          <a:fillRef idx="0">
+            <a:schemeClr val="accent1"/>
+          </a:fillRef>
+          <a:effectRef idx="0">
+            <a:schemeClr val="accent1"/>
+          </a:effectRef>
+          <a:fontRef idx="minor">
+            <a:schemeClr val="tx1"/>
+          </a:fontRef>
+        </p:style>
+        <p:txBody>
+          <a:bodyPr rtlCol="0" anchor="ctr"/>
+          <a:lstStyle/>
+          <a:p>
+            <a:pPr algn="ctr"/>
+            <a:endParaRPr lang="en-US"/>
+          </a:p>
+        </p:txBody>
+      </p:sp>
+      <p:sp>
+        <p:nvSpPr>
           <p:cNvPr id="10" name="Rectangle 9">
             <a:extLst>
               <a:ext uri="{FF2B5EF4-FFF2-40B4-BE49-F238E27FC236}">
@@ -5822,639 +5879,6 @@
       </p:sp>
       <p:sp>
         <p:nvSpPr>
-          <p:cNvPr id="119" name="Rectangle 118">
-            <a:extLst>
-              <a:ext uri="{FF2B5EF4-FFF2-40B4-BE49-F238E27FC236}">
-                <a16:creationId xmlns:a16="http://schemas.microsoft.com/office/drawing/2014/main" id="{5EC14B47-F5C9-502D-3001-4A5D6D9B4D44}"/>
-              </a:ext>
-            </a:extLst>
-          </p:cNvPr>
-          <p:cNvSpPr/>
-          <p:nvPr/>
-        </p:nvSpPr>
-        <p:spPr>
-          <a:xfrm>
-            <a:off x="9435816" y="1509350"/>
-            <a:ext cx="204192" cy="201205"/>
-          </a:xfrm>
-          <a:prstGeom prst="rect">
-            <a:avLst/>
-          </a:prstGeom>
-          <a:solidFill>
-            <a:schemeClr val="bg2"/>
-          </a:solidFill>
-          <a:ln>
-            <a:noFill/>
-          </a:ln>
-        </p:spPr>
-        <p:style>
-          <a:lnRef idx="2">
-            <a:schemeClr val="accent1">
-              <a:shade val="50000"/>
-            </a:schemeClr>
-          </a:lnRef>
-          <a:fillRef idx="1">
-            <a:schemeClr val="accent1"/>
-          </a:fillRef>
-          <a:effectRef idx="0">
-            <a:schemeClr val="accent1"/>
-          </a:effectRef>
-          <a:fontRef idx="minor">
-            <a:schemeClr val="lt1"/>
-          </a:fontRef>
-        </p:style>
-        <p:txBody>
-          <a:bodyPr rtlCol="0" anchor="ctr"/>
-          <a:lstStyle/>
-          <a:p>
-            <a:pPr algn="ctr"/>
-            <a:endParaRPr lang="en-US" sz="1200"/>
-          </a:p>
-        </p:txBody>
-      </p:sp>
-      <p:sp>
-        <p:nvSpPr>
-          <p:cNvPr id="118" name="Rectangle 117">
-            <a:extLst>
-              <a:ext uri="{FF2B5EF4-FFF2-40B4-BE49-F238E27FC236}">
-                <a16:creationId xmlns:a16="http://schemas.microsoft.com/office/drawing/2014/main" id="{6499210F-2B75-8A7B-A1C9-AF71B8C4A8D8}"/>
-              </a:ext>
-            </a:extLst>
-          </p:cNvPr>
-          <p:cNvSpPr/>
-          <p:nvPr/>
-        </p:nvSpPr>
-        <p:spPr>
-          <a:xfrm>
-            <a:off x="8505638" y="504451"/>
-            <a:ext cx="1075229" cy="1004899"/>
-          </a:xfrm>
-          <a:prstGeom prst="rect">
-            <a:avLst/>
-          </a:prstGeom>
-          <a:gradFill>
-            <a:gsLst>
-              <a:gs pos="43000">
-                <a:srgbClr val="FBEFA0"/>
-              </a:gs>
-              <a:gs pos="0">
-                <a:schemeClr val="accent1">
-                  <a:lumMod val="5000"/>
-                  <a:lumOff val="95000"/>
-                </a:schemeClr>
-              </a:gs>
-              <a:gs pos="100000">
-                <a:srgbClr val="FCEE94"/>
-              </a:gs>
-            </a:gsLst>
-            <a:lin ang="2700000" scaled="0"/>
-          </a:gradFill>
-          <a:ln>
-            <a:noFill/>
-          </a:ln>
-        </p:spPr>
-        <p:style>
-          <a:lnRef idx="2">
-            <a:schemeClr val="accent1">
-              <a:shade val="50000"/>
-            </a:schemeClr>
-          </a:lnRef>
-          <a:fillRef idx="1">
-            <a:schemeClr val="accent1"/>
-          </a:fillRef>
-          <a:effectRef idx="0">
-            <a:schemeClr val="accent1"/>
-          </a:effectRef>
-          <a:fontRef idx="minor">
-            <a:schemeClr val="lt1"/>
-          </a:fontRef>
-        </p:style>
-        <p:txBody>
-          <a:bodyPr rtlCol="0" anchor="ctr"/>
-          <a:lstStyle/>
-          <a:p>
-            <a:pPr algn="ctr"/>
-            <a:endParaRPr lang="en-US" sz="1200"/>
-          </a:p>
-        </p:txBody>
-      </p:sp>
-      <p:sp>
-        <p:nvSpPr>
-          <p:cNvPr id="110" name="Rectangle 109">
-            <a:extLst>
-              <a:ext uri="{FF2B5EF4-FFF2-40B4-BE49-F238E27FC236}">
-                <a16:creationId xmlns:a16="http://schemas.microsoft.com/office/drawing/2014/main" id="{6B72DFB7-6EBC-77A4-C8CA-EFB4CDB51AFE}"/>
-              </a:ext>
-            </a:extLst>
-          </p:cNvPr>
-          <p:cNvSpPr/>
-          <p:nvPr/>
-        </p:nvSpPr>
-        <p:spPr>
-          <a:xfrm>
-            <a:off x="8510313" y="1509351"/>
-            <a:ext cx="866361" cy="187339"/>
-          </a:xfrm>
-          <a:prstGeom prst="rect">
-            <a:avLst/>
-          </a:prstGeom>
-          <a:solidFill>
-            <a:schemeClr val="bg1"/>
-          </a:solidFill>
-          <a:ln>
-            <a:noFill/>
-          </a:ln>
-        </p:spPr>
-        <p:style>
-          <a:lnRef idx="2">
-            <a:schemeClr val="accent1">
-              <a:shade val="50000"/>
-            </a:schemeClr>
-          </a:lnRef>
-          <a:fillRef idx="1">
-            <a:schemeClr val="accent1"/>
-          </a:fillRef>
-          <a:effectRef idx="0">
-            <a:schemeClr val="accent1"/>
-          </a:effectRef>
-          <a:fontRef idx="minor">
-            <a:schemeClr val="lt1"/>
-          </a:fontRef>
-        </p:style>
-        <p:txBody>
-          <a:bodyPr rtlCol="0" anchor="ctr"/>
-          <a:lstStyle/>
-          <a:p>
-            <a:pPr algn="ctr"/>
-            <a:endParaRPr lang="en-US" sz="1200"/>
-          </a:p>
-        </p:txBody>
-      </p:sp>
-      <p:sp>
-        <p:nvSpPr>
-          <p:cNvPr id="112" name="Rectangle 111">
-            <a:extLst>
-              <a:ext uri="{FF2B5EF4-FFF2-40B4-BE49-F238E27FC236}">
-                <a16:creationId xmlns:a16="http://schemas.microsoft.com/office/drawing/2014/main" id="{9BA70E8F-F7C6-4140-5FE7-59AAB52F3450}"/>
-              </a:ext>
-            </a:extLst>
-          </p:cNvPr>
-          <p:cNvSpPr/>
-          <p:nvPr/>
-        </p:nvSpPr>
-        <p:spPr>
-          <a:xfrm>
-            <a:off x="8510312" y="489482"/>
-            <a:ext cx="1075229" cy="1019868"/>
-          </a:xfrm>
-          <a:prstGeom prst="rect">
-            <a:avLst/>
-          </a:prstGeom>
-          <a:noFill/>
-          <a:ln w="117475"/>
-        </p:spPr>
-        <p:style>
-          <a:lnRef idx="2">
-            <a:schemeClr val="accent1">
-              <a:shade val="50000"/>
-            </a:schemeClr>
-          </a:lnRef>
-          <a:fillRef idx="1">
-            <a:schemeClr val="accent1"/>
-          </a:fillRef>
-          <a:effectRef idx="0">
-            <a:schemeClr val="accent1"/>
-          </a:effectRef>
-          <a:fontRef idx="minor">
-            <a:schemeClr val="lt1"/>
-          </a:fontRef>
-        </p:style>
-        <p:txBody>
-          <a:bodyPr rtlCol="0" anchor="ctr"/>
-          <a:lstStyle/>
-          <a:p>
-            <a:pPr algn="ctr"/>
-            <a:endParaRPr lang="en-US" sz="1200"/>
-          </a:p>
-        </p:txBody>
-      </p:sp>
-      <p:cxnSp>
-        <p:nvCxnSpPr>
-          <p:cNvPr id="123" name="Straight Connector 122">
-            <a:extLst>
-              <a:ext uri="{FF2B5EF4-FFF2-40B4-BE49-F238E27FC236}">
-                <a16:creationId xmlns:a16="http://schemas.microsoft.com/office/drawing/2014/main" id="{682724C2-7377-656A-C5F9-B5E5BB8A9EC7}"/>
-              </a:ext>
-            </a:extLst>
-          </p:cNvPr>
-          <p:cNvCxnSpPr>
-            <a:cxnSpLocks/>
-          </p:cNvCxnSpPr>
-          <p:nvPr/>
-        </p:nvCxnSpPr>
-        <p:spPr>
-          <a:xfrm flipH="1">
-            <a:off x="8510312" y="1733456"/>
-            <a:ext cx="1129696" cy="0"/>
-          </a:xfrm>
-          <a:prstGeom prst="line">
-            <a:avLst/>
-          </a:prstGeom>
-          <a:ln w="117475">
-            <a:solidFill>
-              <a:srgbClr val="2F528F"/>
-            </a:solidFill>
-          </a:ln>
-        </p:spPr>
-        <p:style>
-          <a:lnRef idx="1">
-            <a:schemeClr val="accent1"/>
-          </a:lnRef>
-          <a:fillRef idx="0">
-            <a:schemeClr val="accent1"/>
-          </a:fillRef>
-          <a:effectRef idx="0">
-            <a:schemeClr val="accent1"/>
-          </a:effectRef>
-          <a:fontRef idx="minor">
-            <a:schemeClr val="tx1"/>
-          </a:fontRef>
-        </p:style>
-      </p:cxnSp>
-      <p:cxnSp>
-        <p:nvCxnSpPr>
-          <p:cNvPr id="125" name="Straight Connector 124">
-            <a:extLst>
-              <a:ext uri="{FF2B5EF4-FFF2-40B4-BE49-F238E27FC236}">
-                <a16:creationId xmlns:a16="http://schemas.microsoft.com/office/drawing/2014/main" id="{97D7D04D-0A1E-22C5-F78B-403E38A6C13E}"/>
-              </a:ext>
-            </a:extLst>
-          </p:cNvPr>
-          <p:cNvCxnSpPr>
-            <a:cxnSpLocks/>
-          </p:cNvCxnSpPr>
-          <p:nvPr/>
-        </p:nvCxnSpPr>
-        <p:spPr>
-          <a:xfrm flipH="1" flipV="1">
-            <a:off x="8510312" y="1489015"/>
-            <a:ext cx="1" cy="288897"/>
-          </a:xfrm>
-          <a:prstGeom prst="line">
-            <a:avLst/>
-          </a:prstGeom>
-          <a:ln w="117475">
-            <a:solidFill>
-              <a:srgbClr val="2F528F"/>
-            </a:solidFill>
-          </a:ln>
-        </p:spPr>
-        <p:style>
-          <a:lnRef idx="1">
-            <a:schemeClr val="accent1"/>
-          </a:lnRef>
-          <a:fillRef idx="0">
-            <a:schemeClr val="accent1"/>
-          </a:fillRef>
-          <a:effectRef idx="0">
-            <a:schemeClr val="accent1"/>
-          </a:effectRef>
-          <a:fontRef idx="minor">
-            <a:schemeClr val="tx1"/>
-          </a:fontRef>
-        </p:style>
-      </p:cxnSp>
-      <p:cxnSp>
-        <p:nvCxnSpPr>
-          <p:cNvPr id="127" name="Straight Connector 126">
-            <a:extLst>
-              <a:ext uri="{FF2B5EF4-FFF2-40B4-BE49-F238E27FC236}">
-                <a16:creationId xmlns:a16="http://schemas.microsoft.com/office/drawing/2014/main" id="{6D405E43-72F0-285A-64E7-463F21EEDFB0}"/>
-              </a:ext>
-            </a:extLst>
-          </p:cNvPr>
-          <p:cNvCxnSpPr>
-            <a:cxnSpLocks/>
-          </p:cNvCxnSpPr>
-          <p:nvPr/>
-        </p:nvCxnSpPr>
-        <p:spPr>
-          <a:xfrm flipH="1" flipV="1">
-            <a:off x="9431142" y="1492586"/>
-            <a:ext cx="1" cy="288897"/>
-          </a:xfrm>
-          <a:prstGeom prst="line">
-            <a:avLst/>
-          </a:prstGeom>
-          <a:ln w="117475">
-            <a:solidFill>
-              <a:srgbClr val="2F528F"/>
-            </a:solidFill>
-          </a:ln>
-        </p:spPr>
-        <p:style>
-          <a:lnRef idx="1">
-            <a:schemeClr val="accent1"/>
-          </a:lnRef>
-          <a:fillRef idx="0">
-            <a:schemeClr val="accent1"/>
-          </a:fillRef>
-          <a:effectRef idx="0">
-            <a:schemeClr val="accent1"/>
-          </a:effectRef>
-          <a:fontRef idx="minor">
-            <a:schemeClr val="tx1"/>
-          </a:fontRef>
-        </p:style>
-      </p:cxnSp>
-      <p:cxnSp>
-        <p:nvCxnSpPr>
-          <p:cNvPr id="115" name="Straight Connector 114">
-            <a:extLst>
-              <a:ext uri="{FF2B5EF4-FFF2-40B4-BE49-F238E27FC236}">
-                <a16:creationId xmlns:a16="http://schemas.microsoft.com/office/drawing/2014/main" id="{BDD66128-984C-2FF9-EADC-D499AB6F27C3}"/>
-              </a:ext>
-            </a:extLst>
-          </p:cNvPr>
-          <p:cNvCxnSpPr>
-            <a:cxnSpLocks/>
-          </p:cNvCxnSpPr>
-          <p:nvPr/>
-        </p:nvCxnSpPr>
-        <p:spPr>
-          <a:xfrm>
-            <a:off x="9358066" y="761437"/>
-            <a:ext cx="0" cy="477598"/>
-          </a:xfrm>
-          <a:prstGeom prst="line">
-            <a:avLst/>
-          </a:prstGeom>
-          <a:ln w="114300">
-            <a:solidFill>
-              <a:srgbClr val="2F528F"/>
-            </a:solidFill>
-          </a:ln>
-        </p:spPr>
-        <p:style>
-          <a:lnRef idx="1">
-            <a:schemeClr val="accent1"/>
-          </a:lnRef>
-          <a:fillRef idx="0">
-            <a:schemeClr val="accent1"/>
-          </a:fillRef>
-          <a:effectRef idx="0">
-            <a:schemeClr val="accent1"/>
-          </a:effectRef>
-          <a:fontRef idx="minor">
-            <a:schemeClr val="tx1"/>
-          </a:fontRef>
-        </p:style>
-      </p:cxnSp>
-      <p:sp>
-        <p:nvSpPr>
-          <p:cNvPr id="116" name="Rectangle 115">
-            <a:extLst>
-              <a:ext uri="{FF2B5EF4-FFF2-40B4-BE49-F238E27FC236}">
-                <a16:creationId xmlns:a16="http://schemas.microsoft.com/office/drawing/2014/main" id="{4141640F-3BBA-C5A7-B96B-C1E47F1D1E96}"/>
-              </a:ext>
-            </a:extLst>
-          </p:cNvPr>
-          <p:cNvSpPr/>
-          <p:nvPr/>
-        </p:nvSpPr>
-        <p:spPr>
-          <a:xfrm>
-            <a:off x="9121357" y="998149"/>
-            <a:ext cx="236709" cy="236709"/>
-          </a:xfrm>
-          <a:prstGeom prst="rect">
-            <a:avLst/>
-          </a:prstGeom>
-          <a:noFill/>
-          <a:ln w="114300">
-            <a:solidFill>
-              <a:srgbClr val="2F528F"/>
-            </a:solidFill>
-          </a:ln>
-        </p:spPr>
-        <p:style>
-          <a:lnRef idx="2">
-            <a:schemeClr val="accent1">
-              <a:shade val="50000"/>
-            </a:schemeClr>
-          </a:lnRef>
-          <a:fillRef idx="1">
-            <a:schemeClr val="accent1"/>
-          </a:fillRef>
-          <a:effectRef idx="0">
-            <a:schemeClr val="accent1"/>
-          </a:effectRef>
-          <a:fontRef idx="minor">
-            <a:schemeClr val="lt1"/>
-          </a:fontRef>
-        </p:style>
-        <p:txBody>
-          <a:bodyPr rtlCol="0" anchor="ctr"/>
-          <a:lstStyle/>
-          <a:p>
-            <a:pPr algn="ctr"/>
-            <a:endParaRPr lang="en-US" sz="1100">
-              <a:solidFill>
-                <a:schemeClr val="accent1">
-                  <a:lumMod val="50000"/>
-                </a:schemeClr>
-              </a:solidFill>
-            </a:endParaRPr>
-          </a:p>
-        </p:txBody>
-      </p:sp>
-      <p:cxnSp>
-        <p:nvCxnSpPr>
-          <p:cNvPr id="122" name="Straight Connector 121">
-            <a:extLst>
-              <a:ext uri="{FF2B5EF4-FFF2-40B4-BE49-F238E27FC236}">
-                <a16:creationId xmlns:a16="http://schemas.microsoft.com/office/drawing/2014/main" id="{A3E94AFE-3FB0-62D3-ED20-B76300F4A596}"/>
-              </a:ext>
-            </a:extLst>
-          </p:cNvPr>
-          <p:cNvCxnSpPr/>
-          <p:nvPr/>
-        </p:nvCxnSpPr>
-        <p:spPr>
-          <a:xfrm>
-            <a:off x="8774097" y="414632"/>
-            <a:ext cx="0" cy="1075137"/>
-          </a:xfrm>
-          <a:prstGeom prst="line">
-            <a:avLst/>
-          </a:prstGeom>
-          <a:ln>
-            <a:solidFill>
-              <a:schemeClr val="accent1">
-                <a:lumMod val="50000"/>
-              </a:schemeClr>
-            </a:solidFill>
-          </a:ln>
-        </p:spPr>
-        <p:style>
-          <a:lnRef idx="1">
-            <a:schemeClr val="accent1"/>
-          </a:lnRef>
-          <a:fillRef idx="0">
-            <a:schemeClr val="accent1"/>
-          </a:fillRef>
-          <a:effectRef idx="0">
-            <a:schemeClr val="accent1"/>
-          </a:effectRef>
-          <a:fontRef idx="minor">
-            <a:schemeClr val="tx1"/>
-          </a:fontRef>
-        </p:style>
-      </p:cxnSp>
-      <p:sp>
-        <p:nvSpPr>
-          <p:cNvPr id="134" name="Freeform: Shape 133">
-            <a:extLst>
-              <a:ext uri="{FF2B5EF4-FFF2-40B4-BE49-F238E27FC236}">
-                <a16:creationId xmlns:a16="http://schemas.microsoft.com/office/drawing/2014/main" id="{0541F909-63BF-38A8-787C-8305988B02E1}"/>
-              </a:ext>
-            </a:extLst>
-          </p:cNvPr>
-          <p:cNvSpPr/>
-          <p:nvPr/>
-        </p:nvSpPr>
-        <p:spPr>
-          <a:xfrm rot="10800000" flipH="1">
-            <a:off x="8670810" y="364558"/>
-            <a:ext cx="291509" cy="579635"/>
-          </a:xfrm>
-          <a:custGeom>
-            <a:avLst/>
-            <a:gdLst>
-              <a:gd name="connsiteX0" fmla="*/ 1 w 980033"/>
-              <a:gd name="connsiteY0" fmla="*/ 1948690 h 1948690"/>
-              <a:gd name="connsiteX1" fmla="*/ 980033 w 980033"/>
-              <a:gd name="connsiteY1" fmla="*/ 1948690 h 1948690"/>
-              <a:gd name="connsiteX2" fmla="*/ 980033 w 980033"/>
-              <a:gd name="connsiteY2" fmla="*/ 410430 h 1948690"/>
-              <a:gd name="connsiteX3" fmla="*/ 980032 w 980033"/>
-              <a:gd name="connsiteY3" fmla="*/ 410430 h 1948690"/>
-              <a:gd name="connsiteX4" fmla="*/ 980032 w 980033"/>
-              <a:gd name="connsiteY4" fmla="*/ 0 h 1948690"/>
-              <a:gd name="connsiteX5" fmla="*/ 485176 w 980033"/>
-              <a:gd name="connsiteY5" fmla="*/ 410430 h 1948690"/>
-              <a:gd name="connsiteX6" fmla="*/ 484345 w 980033"/>
-              <a:gd name="connsiteY6" fmla="*/ 410430 h 1948690"/>
-              <a:gd name="connsiteX7" fmla="*/ 0 w 980033"/>
-              <a:gd name="connsiteY7" fmla="*/ 0 h 1948690"/>
-              <a:gd name="connsiteX8" fmla="*/ 0 w 980033"/>
-              <a:gd name="connsiteY8" fmla="*/ 410430 h 1948690"/>
-              <a:gd name="connsiteX9" fmla="*/ 1 w 980033"/>
-              <a:gd name="connsiteY9" fmla="*/ 410430 h 1948690"/>
-            </a:gdLst>
-            <a:ahLst/>
-            <a:cxnLst>
-              <a:cxn ang="0">
-                <a:pos x="connsiteX0" y="connsiteY0"/>
-              </a:cxn>
-              <a:cxn ang="0">
-                <a:pos x="connsiteX1" y="connsiteY1"/>
-              </a:cxn>
-              <a:cxn ang="0">
-                <a:pos x="connsiteX2" y="connsiteY2"/>
-              </a:cxn>
-              <a:cxn ang="0">
-                <a:pos x="connsiteX3" y="connsiteY3"/>
-              </a:cxn>
-              <a:cxn ang="0">
-                <a:pos x="connsiteX4" y="connsiteY4"/>
-              </a:cxn>
-              <a:cxn ang="0">
-                <a:pos x="connsiteX5" y="connsiteY5"/>
-              </a:cxn>
-              <a:cxn ang="0">
-                <a:pos x="connsiteX6" y="connsiteY6"/>
-              </a:cxn>
-              <a:cxn ang="0">
-                <a:pos x="connsiteX7" y="connsiteY7"/>
-              </a:cxn>
-              <a:cxn ang="0">
-                <a:pos x="connsiteX8" y="connsiteY8"/>
-              </a:cxn>
-              <a:cxn ang="0">
-                <a:pos x="connsiteX9" y="connsiteY9"/>
-              </a:cxn>
-            </a:cxnLst>
-            <a:rect l="l" t="t" r="r" b="b"/>
-            <a:pathLst>
-              <a:path w="980033" h="1948690">
-                <a:moveTo>
-                  <a:pt x="1" y="1948690"/>
-                </a:moveTo>
-                <a:lnTo>
-                  <a:pt x="980033" y="1948690"/>
-                </a:lnTo>
-                <a:lnTo>
-                  <a:pt x="980033" y="410430"/>
-                </a:lnTo>
-                <a:lnTo>
-                  <a:pt x="980032" y="410430"/>
-                </a:lnTo>
-                <a:lnTo>
-                  <a:pt x="980032" y="0"/>
-                </a:lnTo>
-                <a:lnTo>
-                  <a:pt x="485176" y="410430"/>
-                </a:lnTo>
-                <a:lnTo>
-                  <a:pt x="484345" y="410430"/>
-                </a:lnTo>
-                <a:lnTo>
-                  <a:pt x="0" y="0"/>
-                </a:lnTo>
-                <a:lnTo>
-                  <a:pt x="0" y="410430"/>
-                </a:lnTo>
-                <a:lnTo>
-                  <a:pt x="1" y="410430"/>
-                </a:lnTo>
-                <a:close/>
-              </a:path>
-            </a:pathLst>
-          </a:custGeom>
-          <a:solidFill>
-            <a:srgbClr val="2F528F"/>
-          </a:solidFill>
-        </p:spPr>
-        <p:style>
-          <a:lnRef idx="2">
-            <a:schemeClr val="accent1">
-              <a:shade val="50000"/>
-            </a:schemeClr>
-          </a:lnRef>
-          <a:fillRef idx="1">
-            <a:schemeClr val="accent1"/>
-          </a:fillRef>
-          <a:effectRef idx="0">
-            <a:schemeClr val="accent1"/>
-          </a:effectRef>
-          <a:fontRef idx="minor">
-            <a:schemeClr val="lt1"/>
-          </a:fontRef>
-        </p:style>
-        <p:txBody>
-          <a:bodyPr wrap="square" rtlCol="0" anchor="ctr">
-            <a:noAutofit/>
-          </a:bodyPr>
-          <a:lstStyle/>
-          <a:p>
-            <a:pPr algn="ctr"/>
-            <a:endParaRPr lang="en-US" sz="1200"/>
-          </a:p>
-        </p:txBody>
-      </p:sp>
-      <p:sp>
-        <p:nvSpPr>
           <p:cNvPr id="162" name="TextBox 161">
             <a:extLst>
               <a:ext uri="{FF2B5EF4-FFF2-40B4-BE49-F238E27FC236}">
@@ -6562,10 +5986,10 @@
       </p:sp>
       <p:sp>
         <p:nvSpPr>
-          <p:cNvPr id="165" name="TextBox 164">
-            <a:extLst>
-              <a:ext uri="{FF2B5EF4-FFF2-40B4-BE49-F238E27FC236}">
-                <a16:creationId xmlns:a16="http://schemas.microsoft.com/office/drawing/2014/main" id="{36D0B366-1A0F-9249-85C0-46ABB9BC08CB}"/>
+          <p:cNvPr id="166" name="TextBox 165">
+            <a:extLst>
+              <a:ext uri="{FF2B5EF4-FFF2-40B4-BE49-F238E27FC236}">
+                <a16:creationId xmlns:a16="http://schemas.microsoft.com/office/drawing/2014/main" id="{43C69AC1-F05D-0DF3-37B2-AE11317146AE}"/>
               </a:ext>
             </a:extLst>
           </p:cNvPr>
@@ -6574,8 +5998,8 @@
         </p:nvSpPr>
         <p:spPr>
           <a:xfrm>
-            <a:off x="8501349" y="1828802"/>
-            <a:ext cx="1147622" cy="369332"/>
+            <a:off x="2837699" y="4048333"/>
+            <a:ext cx="529312" cy="369332"/>
           </a:xfrm>
           <a:prstGeom prst="rect">
             <a:avLst/>
@@ -6591,17 +6015,17 @@
             <a:pPr algn="ctr"/>
             <a:r>
               <a:rPr lang="en-US" dirty="0"/>
-              <a:t>Dictionary</a:t>
+              <a:t>Cell</a:t>
             </a:r>
           </a:p>
         </p:txBody>
       </p:sp>
       <p:sp>
         <p:nvSpPr>
-          <p:cNvPr id="166" name="TextBox 165">
-            <a:extLst>
-              <a:ext uri="{FF2B5EF4-FFF2-40B4-BE49-F238E27FC236}">
-                <a16:creationId xmlns:a16="http://schemas.microsoft.com/office/drawing/2014/main" id="{43C69AC1-F05D-0DF3-37B2-AE11317146AE}"/>
+          <p:cNvPr id="167" name="TextBox 166">
+            <a:extLst>
+              <a:ext uri="{FF2B5EF4-FFF2-40B4-BE49-F238E27FC236}">
+                <a16:creationId xmlns:a16="http://schemas.microsoft.com/office/drawing/2014/main" id="{47FE32A0-820C-C716-847C-7C2F313F362F}"/>
               </a:ext>
             </a:extLst>
           </p:cNvPr>
@@ -6610,8 +6034,8 @@
         </p:nvSpPr>
         <p:spPr>
           <a:xfrm>
-            <a:off x="2837699" y="4048333"/>
-            <a:ext cx="529312" cy="369332"/>
+            <a:off x="4517062" y="4048333"/>
+            <a:ext cx="1148263" cy="369332"/>
           </a:xfrm>
           <a:prstGeom prst="rect">
             <a:avLst/>
@@ -6627,17 +6051,17 @@
             <a:pPr algn="ctr"/>
             <a:r>
               <a:rPr lang="en-US" dirty="0"/>
-              <a:t>Cell</a:t>
+              <a:t>Structures</a:t>
             </a:r>
           </a:p>
         </p:txBody>
       </p:sp>
       <p:sp>
         <p:nvSpPr>
-          <p:cNvPr id="167" name="TextBox 166">
-            <a:extLst>
-              <a:ext uri="{FF2B5EF4-FFF2-40B4-BE49-F238E27FC236}">
-                <a16:creationId xmlns:a16="http://schemas.microsoft.com/office/drawing/2014/main" id="{47FE32A0-820C-C716-847C-7C2F313F362F}"/>
+          <p:cNvPr id="168" name="TextBox 167">
+            <a:extLst>
+              <a:ext uri="{FF2B5EF4-FFF2-40B4-BE49-F238E27FC236}">
+                <a16:creationId xmlns:a16="http://schemas.microsoft.com/office/drawing/2014/main" id="{8D66EF31-84E9-9C94-B392-1C66C5FB99F4}"/>
               </a:ext>
             </a:extLst>
           </p:cNvPr>
@@ -6646,8 +6070,8 @@
         </p:nvSpPr>
         <p:spPr>
           <a:xfrm>
-            <a:off x="4517062" y="4048333"/>
-            <a:ext cx="1148263" cy="369332"/>
+            <a:off x="6612610" y="4048333"/>
+            <a:ext cx="1054071" cy="369332"/>
           </a:xfrm>
           <a:prstGeom prst="rect">
             <a:avLst/>
@@ -6663,434 +6087,17 @@
             <a:pPr algn="ctr"/>
             <a:r>
               <a:rPr lang="en-US" dirty="0"/>
-              <a:t>Structures</a:t>
-            </a:r>
-          </a:p>
-        </p:txBody>
-      </p:sp>
-      <p:sp>
-        <p:nvSpPr>
-          <p:cNvPr id="168" name="TextBox 167">
-            <a:extLst>
-              <a:ext uri="{FF2B5EF4-FFF2-40B4-BE49-F238E27FC236}">
-                <a16:creationId xmlns:a16="http://schemas.microsoft.com/office/drawing/2014/main" id="{8D66EF31-84E9-9C94-B392-1C66C5FB99F4}"/>
-              </a:ext>
-            </a:extLst>
-          </p:cNvPr>
-          <p:cNvSpPr txBox="1"/>
-          <p:nvPr/>
-        </p:nvSpPr>
-        <p:spPr>
-          <a:xfrm>
-            <a:off x="6612610" y="4048333"/>
-            <a:ext cx="1054071" cy="369332"/>
-          </a:xfrm>
-          <a:prstGeom prst="rect">
-            <a:avLst/>
-          </a:prstGeom>
-          <a:noFill/>
-        </p:spPr>
-        <p:txBody>
-          <a:bodyPr wrap="none" rtlCol="0">
-            <a:spAutoFit/>
-          </a:bodyPr>
-          <a:lstStyle/>
-          <a:p>
-            <a:pPr algn="ctr"/>
-            <a:r>
-              <a:rPr lang="en-US" dirty="0"/>
               <a:t>Datetime</a:t>
             </a:r>
           </a:p>
         </p:txBody>
       </p:sp>
-      <p:sp>
-        <p:nvSpPr>
-          <p:cNvPr id="145" name="Rectangle 144">
-            <a:extLst>
-              <a:ext uri="{FF2B5EF4-FFF2-40B4-BE49-F238E27FC236}">
-                <a16:creationId xmlns:a16="http://schemas.microsoft.com/office/drawing/2014/main" id="{6CAE31BA-3DDE-B411-F551-D461274338B5}"/>
-              </a:ext>
-            </a:extLst>
-          </p:cNvPr>
-          <p:cNvSpPr/>
-          <p:nvPr/>
-        </p:nvSpPr>
-        <p:spPr>
-          <a:xfrm>
-            <a:off x="8472083" y="2618510"/>
-            <a:ext cx="1282123" cy="1335806"/>
-          </a:xfrm>
-          <a:prstGeom prst="rect">
-            <a:avLst/>
-          </a:prstGeom>
-          <a:gradFill>
-            <a:gsLst>
-              <a:gs pos="43000">
-                <a:srgbClr val="FBEFA0"/>
-              </a:gs>
-              <a:gs pos="0">
-                <a:schemeClr val="accent1">
-                  <a:lumMod val="5000"/>
-                  <a:lumOff val="95000"/>
-                </a:schemeClr>
-              </a:gs>
-              <a:gs pos="100000">
-                <a:srgbClr val="FCEE94"/>
-              </a:gs>
-            </a:gsLst>
-            <a:lin ang="2700000" scaled="0"/>
-          </a:gradFill>
-          <a:ln>
-            <a:noFill/>
-          </a:ln>
-        </p:spPr>
-        <p:style>
-          <a:lnRef idx="2">
-            <a:schemeClr val="accent1">
-              <a:shade val="50000"/>
-            </a:schemeClr>
-          </a:lnRef>
-          <a:fillRef idx="1">
-            <a:schemeClr val="accent1"/>
-          </a:fillRef>
-          <a:effectRef idx="0">
-            <a:schemeClr val="accent1"/>
-          </a:effectRef>
-          <a:fontRef idx="minor">
-            <a:schemeClr val="lt1"/>
-          </a:fontRef>
-        </p:style>
-        <p:txBody>
-          <a:bodyPr rtlCol="0" anchor="ctr"/>
-          <a:lstStyle/>
-          <a:p>
-            <a:pPr algn="ctr"/>
-            <a:endParaRPr lang="en-US" sz="1200"/>
-          </a:p>
-        </p:txBody>
-      </p:sp>
-      <p:sp>
-        <p:nvSpPr>
-          <p:cNvPr id="146" name="Rectangle 145">
-            <a:extLst>
-              <a:ext uri="{FF2B5EF4-FFF2-40B4-BE49-F238E27FC236}">
-                <a16:creationId xmlns:a16="http://schemas.microsoft.com/office/drawing/2014/main" id="{F2C02136-28DF-3DEA-717D-B71FEB2483AE}"/>
-              </a:ext>
-            </a:extLst>
-          </p:cNvPr>
-          <p:cNvSpPr/>
-          <p:nvPr/>
-        </p:nvSpPr>
-        <p:spPr>
-          <a:xfrm>
-            <a:off x="8468461" y="2622807"/>
-            <a:ext cx="1293272" cy="1359242"/>
-          </a:xfrm>
-          <a:prstGeom prst="rect">
-            <a:avLst/>
-          </a:prstGeom>
-          <a:noFill/>
-          <a:ln w="117475"/>
-        </p:spPr>
-        <p:style>
-          <a:lnRef idx="2">
-            <a:schemeClr val="accent1">
-              <a:shade val="50000"/>
-            </a:schemeClr>
-          </a:lnRef>
-          <a:fillRef idx="1">
-            <a:schemeClr val="accent1"/>
-          </a:fillRef>
-          <a:effectRef idx="0">
-            <a:schemeClr val="accent1"/>
-          </a:effectRef>
-          <a:fontRef idx="minor">
-            <a:schemeClr val="lt1"/>
-          </a:fontRef>
-        </p:style>
-        <p:txBody>
-          <a:bodyPr rtlCol="0" anchor="ctr"/>
-          <a:lstStyle/>
-          <a:p>
-            <a:pPr algn="ctr"/>
-            <a:endParaRPr lang="en-US" sz="1200"/>
-          </a:p>
-        </p:txBody>
-      </p:sp>
-      <p:cxnSp>
-        <p:nvCxnSpPr>
-          <p:cNvPr id="148" name="Straight Connector 147">
-            <a:extLst>
-              <a:ext uri="{FF2B5EF4-FFF2-40B4-BE49-F238E27FC236}">
-                <a16:creationId xmlns:a16="http://schemas.microsoft.com/office/drawing/2014/main" id="{6ECF1D99-3CD7-F392-E85E-4020224CCA42}"/>
-              </a:ext>
-            </a:extLst>
-          </p:cNvPr>
-          <p:cNvCxnSpPr>
-            <a:cxnSpLocks/>
-          </p:cNvCxnSpPr>
-          <p:nvPr/>
-        </p:nvCxnSpPr>
-        <p:spPr>
-          <a:xfrm flipV="1">
-            <a:off x="8773205" y="3823734"/>
-            <a:ext cx="0" cy="196498"/>
-          </a:xfrm>
-          <a:prstGeom prst="line">
-            <a:avLst/>
-          </a:prstGeom>
-          <a:ln w="117475">
-            <a:solidFill>
-              <a:srgbClr val="2F528F"/>
-            </a:solidFill>
-          </a:ln>
-        </p:spPr>
-        <p:style>
-          <a:lnRef idx="1">
-            <a:schemeClr val="accent1"/>
-          </a:lnRef>
-          <a:fillRef idx="0">
-            <a:schemeClr val="accent1"/>
-          </a:fillRef>
-          <a:effectRef idx="0">
-            <a:schemeClr val="accent1"/>
-          </a:effectRef>
-          <a:fontRef idx="minor">
-            <a:schemeClr val="tx1"/>
-          </a:fontRef>
-        </p:style>
-      </p:cxnSp>
-      <p:cxnSp>
-        <p:nvCxnSpPr>
-          <p:cNvPr id="150" name="Straight Connector 149">
-            <a:extLst>
-              <a:ext uri="{FF2B5EF4-FFF2-40B4-BE49-F238E27FC236}">
-                <a16:creationId xmlns:a16="http://schemas.microsoft.com/office/drawing/2014/main" id="{6732FE87-4657-4E7F-3EFB-2BE22920D3D5}"/>
-              </a:ext>
-            </a:extLst>
-          </p:cNvPr>
-          <p:cNvCxnSpPr>
-            <a:cxnSpLocks/>
-          </p:cNvCxnSpPr>
-          <p:nvPr/>
-        </p:nvCxnSpPr>
-        <p:spPr>
-          <a:xfrm rot="5400000" flipV="1">
-            <a:off x="8565704" y="3630635"/>
-            <a:ext cx="0" cy="196498"/>
-          </a:xfrm>
-          <a:prstGeom prst="line">
-            <a:avLst/>
-          </a:prstGeom>
-          <a:ln w="117475">
-            <a:solidFill>
-              <a:srgbClr val="2F528F"/>
-            </a:solidFill>
-          </a:ln>
-        </p:spPr>
-        <p:style>
-          <a:lnRef idx="1">
-            <a:schemeClr val="accent1"/>
-          </a:lnRef>
-          <a:fillRef idx="0">
-            <a:schemeClr val="accent1"/>
-          </a:fillRef>
-          <a:effectRef idx="0">
-            <a:schemeClr val="accent1"/>
-          </a:effectRef>
-          <a:fontRef idx="minor">
-            <a:schemeClr val="tx1"/>
-          </a:fontRef>
-        </p:style>
-      </p:cxnSp>
-      <p:cxnSp>
-        <p:nvCxnSpPr>
-          <p:cNvPr id="151" name="Straight Connector 150">
-            <a:extLst>
-              <a:ext uri="{FF2B5EF4-FFF2-40B4-BE49-F238E27FC236}">
-                <a16:creationId xmlns:a16="http://schemas.microsoft.com/office/drawing/2014/main" id="{3C012D5F-134A-4647-5D5F-DA4A4F3E5CDC}"/>
-              </a:ext>
-            </a:extLst>
-          </p:cNvPr>
-          <p:cNvCxnSpPr>
-            <a:cxnSpLocks/>
-          </p:cNvCxnSpPr>
-          <p:nvPr/>
-        </p:nvCxnSpPr>
-        <p:spPr>
-          <a:xfrm rot="5400000" flipV="1">
-            <a:off x="8565704" y="3338548"/>
-            <a:ext cx="0" cy="196498"/>
-          </a:xfrm>
-          <a:prstGeom prst="line">
-            <a:avLst/>
-          </a:prstGeom>
-          <a:ln w="117475">
-            <a:solidFill>
-              <a:srgbClr val="2F528F"/>
-            </a:solidFill>
-          </a:ln>
-        </p:spPr>
-        <p:style>
-          <a:lnRef idx="1">
-            <a:schemeClr val="accent1"/>
-          </a:lnRef>
-          <a:fillRef idx="0">
-            <a:schemeClr val="accent1"/>
-          </a:fillRef>
-          <a:effectRef idx="0">
-            <a:schemeClr val="accent1"/>
-          </a:effectRef>
-          <a:fontRef idx="minor">
-            <a:schemeClr val="tx1"/>
-          </a:fontRef>
-        </p:style>
-      </p:cxnSp>
-      <p:cxnSp>
-        <p:nvCxnSpPr>
-          <p:cNvPr id="152" name="Straight Connector 151">
-            <a:extLst>
-              <a:ext uri="{FF2B5EF4-FFF2-40B4-BE49-F238E27FC236}">
-                <a16:creationId xmlns:a16="http://schemas.microsoft.com/office/drawing/2014/main" id="{1866685A-864A-5826-AAE0-649224E5A7EF}"/>
-              </a:ext>
-            </a:extLst>
-          </p:cNvPr>
-          <p:cNvCxnSpPr>
-            <a:cxnSpLocks/>
-          </p:cNvCxnSpPr>
-          <p:nvPr/>
-        </p:nvCxnSpPr>
-        <p:spPr>
-          <a:xfrm rot="5400000" flipV="1">
-            <a:off x="8565704" y="3046462"/>
-            <a:ext cx="0" cy="196498"/>
-          </a:xfrm>
-          <a:prstGeom prst="line">
-            <a:avLst/>
-          </a:prstGeom>
-          <a:ln w="117475">
-            <a:solidFill>
-              <a:srgbClr val="2F528F"/>
-            </a:solidFill>
-          </a:ln>
-        </p:spPr>
-        <p:style>
-          <a:lnRef idx="1">
-            <a:schemeClr val="accent1"/>
-          </a:lnRef>
-          <a:fillRef idx="0">
-            <a:schemeClr val="accent1"/>
-          </a:fillRef>
-          <a:effectRef idx="0">
-            <a:schemeClr val="accent1"/>
-          </a:effectRef>
-          <a:fontRef idx="minor">
-            <a:schemeClr val="tx1"/>
-          </a:fontRef>
-        </p:style>
-      </p:cxnSp>
-      <p:cxnSp>
-        <p:nvCxnSpPr>
-          <p:cNvPr id="153" name="Straight Connector 152">
-            <a:extLst>
-              <a:ext uri="{FF2B5EF4-FFF2-40B4-BE49-F238E27FC236}">
-                <a16:creationId xmlns:a16="http://schemas.microsoft.com/office/drawing/2014/main" id="{2FC053F2-EC7A-E414-366D-3E50E458A59A}"/>
-              </a:ext>
-            </a:extLst>
-          </p:cNvPr>
-          <p:cNvCxnSpPr>
-            <a:cxnSpLocks/>
-          </p:cNvCxnSpPr>
-          <p:nvPr/>
-        </p:nvCxnSpPr>
-        <p:spPr>
-          <a:xfrm rot="5400000" flipV="1">
-            <a:off x="8565704" y="2754376"/>
-            <a:ext cx="0" cy="196498"/>
-          </a:xfrm>
-          <a:prstGeom prst="line">
-            <a:avLst/>
-          </a:prstGeom>
-          <a:ln w="117475">
-            <a:solidFill>
-              <a:srgbClr val="2F528F"/>
-            </a:solidFill>
-          </a:ln>
-        </p:spPr>
-        <p:style>
-          <a:lnRef idx="1">
-            <a:schemeClr val="accent1"/>
-          </a:lnRef>
-          <a:fillRef idx="0">
-            <a:schemeClr val="accent1"/>
-          </a:fillRef>
-          <a:effectRef idx="0">
-            <a:schemeClr val="accent1"/>
-          </a:effectRef>
-          <a:fontRef idx="minor">
-            <a:schemeClr val="tx1"/>
-          </a:fontRef>
-        </p:style>
-      </p:cxnSp>
-      <p:sp>
-        <p:nvSpPr>
-          <p:cNvPr id="154" name="Arc 153">
-            <a:extLst>
-              <a:ext uri="{FF2B5EF4-FFF2-40B4-BE49-F238E27FC236}">
-                <a16:creationId xmlns:a16="http://schemas.microsoft.com/office/drawing/2014/main" id="{589DA6A3-5A54-0373-DB74-B2C45C1719DE}"/>
-              </a:ext>
-            </a:extLst>
-          </p:cNvPr>
-          <p:cNvSpPr/>
-          <p:nvPr/>
-        </p:nvSpPr>
-        <p:spPr>
-          <a:xfrm>
-            <a:off x="8467453" y="2895341"/>
-            <a:ext cx="2831992" cy="2199753"/>
-          </a:xfrm>
-          <a:prstGeom prst="arc">
-            <a:avLst>
-              <a:gd name="adj1" fmla="val 10983520"/>
-              <a:gd name="adj2" fmla="val 15923016"/>
-            </a:avLst>
-          </a:prstGeom>
-          <a:ln w="88900">
-            <a:solidFill>
-              <a:srgbClr val="2F528F"/>
-            </a:solidFill>
-          </a:ln>
-        </p:spPr>
-        <p:style>
-          <a:lnRef idx="1">
-            <a:schemeClr val="accent1"/>
-          </a:lnRef>
-          <a:fillRef idx="0">
-            <a:schemeClr val="accent1"/>
-          </a:fillRef>
-          <a:effectRef idx="0">
-            <a:schemeClr val="accent1"/>
-          </a:effectRef>
-          <a:fontRef idx="minor">
-            <a:schemeClr val="tx1"/>
-          </a:fontRef>
-        </p:style>
-        <p:txBody>
-          <a:bodyPr rtlCol="0" anchor="ctr"/>
-          <a:lstStyle/>
-          <a:p>
-            <a:pPr algn="ctr"/>
-            <a:endParaRPr lang="en-US"/>
-          </a:p>
-        </p:txBody>
-      </p:sp>
       <p:grpSp>
         <p:nvGrpSpPr>
-          <p:cNvPr id="161" name="Group 160">
-            <a:extLst>
-              <a:ext uri="{FF2B5EF4-FFF2-40B4-BE49-F238E27FC236}">
-                <a16:creationId xmlns:a16="http://schemas.microsoft.com/office/drawing/2014/main" id="{FBF87443-BDC7-C993-AD95-22333F5F6B5C}"/>
+          <p:cNvPr id="51" name="Group 50">
+            <a:extLst>
+              <a:ext uri="{FF2B5EF4-FFF2-40B4-BE49-F238E27FC236}">
+                <a16:creationId xmlns:a16="http://schemas.microsoft.com/office/drawing/2014/main" id="{7CE51A24-6991-0312-A392-E5F503DF552B}"/>
               </a:ext>
             </a:extLst>
           </p:cNvPr>
@@ -7099,18 +6106,18 @@
         </p:nvGrpSpPr>
         <p:grpSpPr>
           <a:xfrm>
-            <a:off x="9099431" y="3182674"/>
-            <a:ext cx="865659" cy="865659"/>
-            <a:chOff x="7868443" y="3217657"/>
-            <a:chExt cx="999508" cy="999508"/>
+            <a:off x="8467451" y="4854034"/>
+            <a:ext cx="1352835" cy="1473334"/>
+            <a:chOff x="8590966" y="4910442"/>
+            <a:chExt cx="1134370" cy="1416925"/>
           </a:xfrm>
         </p:grpSpPr>
         <p:sp>
           <p:nvSpPr>
-            <p:cNvPr id="155" name="Oval 154">
+            <p:cNvPr id="119" name="Rectangle 118">
               <a:extLst>
                 <a:ext uri="{FF2B5EF4-FFF2-40B4-BE49-F238E27FC236}">
-                  <a16:creationId xmlns:a16="http://schemas.microsoft.com/office/drawing/2014/main" id="{77359981-F919-2C5E-2FF8-E2ECDEC9C1FB}"/>
+                  <a16:creationId xmlns:a16="http://schemas.microsoft.com/office/drawing/2014/main" id="{5EC14B47-F5C9-502D-3001-4A5D6D9B4D44}"/>
                 </a:ext>
               </a:extLst>
             </p:cNvPr>
@@ -7119,28 +6126,403 @@
           </p:nvSpPr>
           <p:spPr>
             <a:xfrm>
-              <a:off x="7868443" y="3217657"/>
-              <a:ext cx="999508" cy="999508"/>
+              <a:off x="9521144" y="6055234"/>
+              <a:ext cx="204192" cy="201205"/>
             </a:xfrm>
-            <a:prstGeom prst="ellipse">
+            <a:prstGeom prst="rect">
+              <a:avLst/>
+            </a:prstGeom>
+            <a:solidFill>
+              <a:schemeClr val="bg2"/>
+            </a:solidFill>
+            <a:ln>
+              <a:noFill/>
+            </a:ln>
+          </p:spPr>
+          <p:style>
+            <a:lnRef idx="2">
+              <a:schemeClr val="accent1">
+                <a:shade val="50000"/>
+              </a:schemeClr>
+            </a:lnRef>
+            <a:fillRef idx="1">
+              <a:schemeClr val="accent1"/>
+            </a:fillRef>
+            <a:effectRef idx="0">
+              <a:schemeClr val="accent1"/>
+            </a:effectRef>
+            <a:fontRef idx="minor">
+              <a:schemeClr val="lt1"/>
+            </a:fontRef>
+          </p:style>
+          <p:txBody>
+            <a:bodyPr rtlCol="0" anchor="ctr"/>
+            <a:lstStyle/>
+            <a:p>
+              <a:pPr algn="ctr"/>
+              <a:endParaRPr lang="en-US" sz="1200"/>
+            </a:p>
+          </p:txBody>
+        </p:sp>
+        <p:sp>
+          <p:nvSpPr>
+            <p:cNvPr id="118" name="Rectangle 117">
+              <a:extLst>
+                <a:ext uri="{FF2B5EF4-FFF2-40B4-BE49-F238E27FC236}">
+                  <a16:creationId xmlns:a16="http://schemas.microsoft.com/office/drawing/2014/main" id="{6499210F-2B75-8A7B-A1C9-AF71B8C4A8D8}"/>
+                </a:ext>
+              </a:extLst>
+            </p:cNvPr>
+            <p:cNvSpPr/>
+            <p:nvPr/>
+          </p:nvSpPr>
+          <p:spPr>
+            <a:xfrm>
+              <a:off x="8590966" y="5050335"/>
+              <a:ext cx="1075229" cy="1004899"/>
+            </a:xfrm>
+            <a:prstGeom prst="rect">
               <a:avLst/>
             </a:prstGeom>
             <a:gradFill>
               <a:gsLst>
+                <a:gs pos="43000">
+                  <a:srgbClr val="FBEFA0"/>
+                </a:gs>
                 <a:gs pos="0">
-                  <a:schemeClr val="tx2">
-                    <a:lumMod val="60000"/>
-                    <a:lumOff val="40000"/>
+                  <a:schemeClr val="accent1">
+                    <a:lumMod val="5000"/>
+                    <a:lumOff val="95000"/>
                   </a:schemeClr>
                 </a:gs>
                 <a:gs pos="100000">
-                  <a:schemeClr val="bg1">
-                    <a:lumMod val="95000"/>
-                  </a:schemeClr>
+                  <a:srgbClr val="FCEE94"/>
                 </a:gs>
               </a:gsLst>
               <a:lin ang="2700000" scaled="0"/>
             </a:gradFill>
+            <a:ln>
+              <a:noFill/>
+            </a:ln>
+          </p:spPr>
+          <p:style>
+            <a:lnRef idx="2">
+              <a:schemeClr val="accent1">
+                <a:shade val="50000"/>
+              </a:schemeClr>
+            </a:lnRef>
+            <a:fillRef idx="1">
+              <a:schemeClr val="accent1"/>
+            </a:fillRef>
+            <a:effectRef idx="0">
+              <a:schemeClr val="accent1"/>
+            </a:effectRef>
+            <a:fontRef idx="minor">
+              <a:schemeClr val="lt1"/>
+            </a:fontRef>
+          </p:style>
+          <p:txBody>
+            <a:bodyPr rtlCol="0" anchor="ctr"/>
+            <a:lstStyle/>
+            <a:p>
+              <a:pPr algn="ctr"/>
+              <a:endParaRPr lang="en-US" sz="1200"/>
+            </a:p>
+          </p:txBody>
+        </p:sp>
+        <p:sp>
+          <p:nvSpPr>
+            <p:cNvPr id="110" name="Rectangle 109">
+              <a:extLst>
+                <a:ext uri="{FF2B5EF4-FFF2-40B4-BE49-F238E27FC236}">
+                  <a16:creationId xmlns:a16="http://schemas.microsoft.com/office/drawing/2014/main" id="{6B72DFB7-6EBC-77A4-C8CA-EFB4CDB51AFE}"/>
+                </a:ext>
+              </a:extLst>
+            </p:cNvPr>
+            <p:cNvSpPr/>
+            <p:nvPr/>
+          </p:nvSpPr>
+          <p:spPr>
+            <a:xfrm>
+              <a:off x="8595641" y="6055235"/>
+              <a:ext cx="866361" cy="187339"/>
+            </a:xfrm>
+            <a:prstGeom prst="rect">
+              <a:avLst/>
+            </a:prstGeom>
+            <a:solidFill>
+              <a:schemeClr val="bg1"/>
+            </a:solidFill>
+            <a:ln>
+              <a:noFill/>
+            </a:ln>
+          </p:spPr>
+          <p:style>
+            <a:lnRef idx="2">
+              <a:schemeClr val="accent1">
+                <a:shade val="50000"/>
+              </a:schemeClr>
+            </a:lnRef>
+            <a:fillRef idx="1">
+              <a:schemeClr val="accent1"/>
+            </a:fillRef>
+            <a:effectRef idx="0">
+              <a:schemeClr val="accent1"/>
+            </a:effectRef>
+            <a:fontRef idx="minor">
+              <a:schemeClr val="lt1"/>
+            </a:fontRef>
+          </p:style>
+          <p:txBody>
+            <a:bodyPr rtlCol="0" anchor="ctr"/>
+            <a:lstStyle/>
+            <a:p>
+              <a:pPr algn="ctr"/>
+              <a:endParaRPr lang="en-US" sz="1200"/>
+            </a:p>
+          </p:txBody>
+        </p:sp>
+        <p:sp>
+          <p:nvSpPr>
+            <p:cNvPr id="112" name="Rectangle 111">
+              <a:extLst>
+                <a:ext uri="{FF2B5EF4-FFF2-40B4-BE49-F238E27FC236}">
+                  <a16:creationId xmlns:a16="http://schemas.microsoft.com/office/drawing/2014/main" id="{9BA70E8F-F7C6-4140-5FE7-59AAB52F3450}"/>
+                </a:ext>
+              </a:extLst>
+            </p:cNvPr>
+            <p:cNvSpPr/>
+            <p:nvPr/>
+          </p:nvSpPr>
+          <p:spPr>
+            <a:xfrm>
+              <a:off x="8595640" y="5035366"/>
+              <a:ext cx="1075229" cy="1019868"/>
+            </a:xfrm>
+            <a:prstGeom prst="rect">
+              <a:avLst/>
+            </a:prstGeom>
+            <a:noFill/>
+            <a:ln w="117475"/>
+          </p:spPr>
+          <p:style>
+            <a:lnRef idx="2">
+              <a:schemeClr val="accent1">
+                <a:shade val="50000"/>
+              </a:schemeClr>
+            </a:lnRef>
+            <a:fillRef idx="1">
+              <a:schemeClr val="accent1"/>
+            </a:fillRef>
+            <a:effectRef idx="0">
+              <a:schemeClr val="accent1"/>
+            </a:effectRef>
+            <a:fontRef idx="minor">
+              <a:schemeClr val="lt1"/>
+            </a:fontRef>
+          </p:style>
+          <p:txBody>
+            <a:bodyPr rtlCol="0" anchor="ctr"/>
+            <a:lstStyle/>
+            <a:p>
+              <a:pPr algn="ctr"/>
+              <a:endParaRPr lang="en-US" sz="1200"/>
+            </a:p>
+          </p:txBody>
+        </p:sp>
+        <p:cxnSp>
+          <p:nvCxnSpPr>
+            <p:cNvPr id="123" name="Straight Connector 122">
+              <a:extLst>
+                <a:ext uri="{FF2B5EF4-FFF2-40B4-BE49-F238E27FC236}">
+                  <a16:creationId xmlns:a16="http://schemas.microsoft.com/office/drawing/2014/main" id="{682724C2-7377-656A-C5F9-B5E5BB8A9EC7}"/>
+                </a:ext>
+              </a:extLst>
+            </p:cNvPr>
+            <p:cNvCxnSpPr>
+              <a:cxnSpLocks/>
+            </p:cNvCxnSpPr>
+            <p:nvPr/>
+          </p:nvCxnSpPr>
+          <p:spPr>
+            <a:xfrm flipH="1">
+              <a:off x="8595640" y="6279340"/>
+              <a:ext cx="1129696" cy="0"/>
+            </a:xfrm>
+            <a:prstGeom prst="line">
+              <a:avLst/>
+            </a:prstGeom>
+            <a:ln w="117475">
+              <a:solidFill>
+                <a:srgbClr val="2F528F"/>
+              </a:solidFill>
+            </a:ln>
+          </p:spPr>
+          <p:style>
+            <a:lnRef idx="1">
+              <a:schemeClr val="accent1"/>
+            </a:lnRef>
+            <a:fillRef idx="0">
+              <a:schemeClr val="accent1"/>
+            </a:fillRef>
+            <a:effectRef idx="0">
+              <a:schemeClr val="accent1"/>
+            </a:effectRef>
+            <a:fontRef idx="minor">
+              <a:schemeClr val="tx1"/>
+            </a:fontRef>
+          </p:style>
+        </p:cxnSp>
+        <p:cxnSp>
+          <p:nvCxnSpPr>
+            <p:cNvPr id="125" name="Straight Connector 124">
+              <a:extLst>
+                <a:ext uri="{FF2B5EF4-FFF2-40B4-BE49-F238E27FC236}">
+                  <a16:creationId xmlns:a16="http://schemas.microsoft.com/office/drawing/2014/main" id="{97D7D04D-0A1E-22C5-F78B-403E38A6C13E}"/>
+                </a:ext>
+              </a:extLst>
+            </p:cNvPr>
+            <p:cNvCxnSpPr>
+              <a:cxnSpLocks/>
+            </p:cNvCxnSpPr>
+            <p:nvPr/>
+          </p:nvCxnSpPr>
+          <p:spPr>
+            <a:xfrm flipH="1" flipV="1">
+              <a:off x="8595640" y="6034899"/>
+              <a:ext cx="1" cy="288897"/>
+            </a:xfrm>
+            <a:prstGeom prst="line">
+              <a:avLst/>
+            </a:prstGeom>
+            <a:ln w="117475">
+              <a:solidFill>
+                <a:srgbClr val="2F528F"/>
+              </a:solidFill>
+            </a:ln>
+          </p:spPr>
+          <p:style>
+            <a:lnRef idx="1">
+              <a:schemeClr val="accent1"/>
+            </a:lnRef>
+            <a:fillRef idx="0">
+              <a:schemeClr val="accent1"/>
+            </a:fillRef>
+            <a:effectRef idx="0">
+              <a:schemeClr val="accent1"/>
+            </a:effectRef>
+            <a:fontRef idx="minor">
+              <a:schemeClr val="tx1"/>
+            </a:fontRef>
+          </p:style>
+        </p:cxnSp>
+        <p:cxnSp>
+          <p:nvCxnSpPr>
+            <p:cNvPr id="127" name="Straight Connector 126">
+              <a:extLst>
+                <a:ext uri="{FF2B5EF4-FFF2-40B4-BE49-F238E27FC236}">
+                  <a16:creationId xmlns:a16="http://schemas.microsoft.com/office/drawing/2014/main" id="{6D405E43-72F0-285A-64E7-463F21EEDFB0}"/>
+                </a:ext>
+              </a:extLst>
+            </p:cNvPr>
+            <p:cNvCxnSpPr>
+              <a:cxnSpLocks/>
+            </p:cNvCxnSpPr>
+            <p:nvPr/>
+          </p:nvCxnSpPr>
+          <p:spPr>
+            <a:xfrm flipH="1" flipV="1">
+              <a:off x="9516470" y="6038470"/>
+              <a:ext cx="1" cy="288897"/>
+            </a:xfrm>
+            <a:prstGeom prst="line">
+              <a:avLst/>
+            </a:prstGeom>
+            <a:ln w="117475">
+              <a:solidFill>
+                <a:srgbClr val="2F528F"/>
+              </a:solidFill>
+            </a:ln>
+          </p:spPr>
+          <p:style>
+            <a:lnRef idx="1">
+              <a:schemeClr val="accent1"/>
+            </a:lnRef>
+            <a:fillRef idx="0">
+              <a:schemeClr val="accent1"/>
+            </a:fillRef>
+            <a:effectRef idx="0">
+              <a:schemeClr val="accent1"/>
+            </a:effectRef>
+            <a:fontRef idx="minor">
+              <a:schemeClr val="tx1"/>
+            </a:fontRef>
+          </p:style>
+        </p:cxnSp>
+        <p:cxnSp>
+          <p:nvCxnSpPr>
+            <p:cNvPr id="115" name="Straight Connector 114">
+              <a:extLst>
+                <a:ext uri="{FF2B5EF4-FFF2-40B4-BE49-F238E27FC236}">
+                  <a16:creationId xmlns:a16="http://schemas.microsoft.com/office/drawing/2014/main" id="{BDD66128-984C-2FF9-EADC-D499AB6F27C3}"/>
+                </a:ext>
+              </a:extLst>
+            </p:cNvPr>
+            <p:cNvCxnSpPr>
+              <a:cxnSpLocks/>
+            </p:cNvCxnSpPr>
+            <p:nvPr/>
+          </p:nvCxnSpPr>
+          <p:spPr>
+            <a:xfrm>
+              <a:off x="9443394" y="5307321"/>
+              <a:ext cx="0" cy="477598"/>
+            </a:xfrm>
+            <a:prstGeom prst="line">
+              <a:avLst/>
+            </a:prstGeom>
+            <a:ln w="114300">
+              <a:solidFill>
+                <a:srgbClr val="2F528F"/>
+              </a:solidFill>
+            </a:ln>
+          </p:spPr>
+          <p:style>
+            <a:lnRef idx="1">
+              <a:schemeClr val="accent1"/>
+            </a:lnRef>
+            <a:fillRef idx="0">
+              <a:schemeClr val="accent1"/>
+            </a:fillRef>
+            <a:effectRef idx="0">
+              <a:schemeClr val="accent1"/>
+            </a:effectRef>
+            <a:fontRef idx="minor">
+              <a:schemeClr val="tx1"/>
+            </a:fontRef>
+          </p:style>
+        </p:cxnSp>
+        <p:sp>
+          <p:nvSpPr>
+            <p:cNvPr id="116" name="Rectangle 115">
+              <a:extLst>
+                <a:ext uri="{FF2B5EF4-FFF2-40B4-BE49-F238E27FC236}">
+                  <a16:creationId xmlns:a16="http://schemas.microsoft.com/office/drawing/2014/main" id="{4141640F-3BBA-C5A7-B96B-C1E47F1D1E96}"/>
+                </a:ext>
+              </a:extLst>
+            </p:cNvPr>
+            <p:cNvSpPr/>
+            <p:nvPr/>
+          </p:nvSpPr>
+          <p:spPr>
+            <a:xfrm>
+              <a:off x="9206685" y="5544033"/>
+              <a:ext cx="236709" cy="236709"/>
+            </a:xfrm>
+            <a:prstGeom prst="rect">
+              <a:avLst/>
+            </a:prstGeom>
+            <a:noFill/>
             <a:ln w="114300">
               <a:solidFill>
                 <a:srgbClr val="2F528F"/>
@@ -7168,16 +6550,1066 @@
             <a:lstStyle/>
             <a:p>
               <a:pPr algn="ctr"/>
+              <a:endParaRPr lang="en-US" sz="1100">
+                <a:solidFill>
+                  <a:schemeClr val="accent1">
+                    <a:lumMod val="50000"/>
+                  </a:schemeClr>
+                </a:solidFill>
+              </a:endParaRPr>
+            </a:p>
+          </p:txBody>
+        </p:sp>
+        <p:cxnSp>
+          <p:nvCxnSpPr>
+            <p:cNvPr id="122" name="Straight Connector 121">
+              <a:extLst>
+                <a:ext uri="{FF2B5EF4-FFF2-40B4-BE49-F238E27FC236}">
+                  <a16:creationId xmlns:a16="http://schemas.microsoft.com/office/drawing/2014/main" id="{A3E94AFE-3FB0-62D3-ED20-B76300F4A596}"/>
+                </a:ext>
+              </a:extLst>
+            </p:cNvPr>
+            <p:cNvCxnSpPr/>
+            <p:nvPr/>
+          </p:nvCxnSpPr>
+          <p:spPr>
+            <a:xfrm>
+              <a:off x="8859425" y="4960516"/>
+              <a:ext cx="0" cy="1075137"/>
+            </a:xfrm>
+            <a:prstGeom prst="line">
+              <a:avLst/>
+            </a:prstGeom>
+            <a:ln>
+              <a:solidFill>
+                <a:schemeClr val="accent1">
+                  <a:lumMod val="50000"/>
+                </a:schemeClr>
+              </a:solidFill>
+            </a:ln>
+          </p:spPr>
+          <p:style>
+            <a:lnRef idx="1">
+              <a:schemeClr val="accent1"/>
+            </a:lnRef>
+            <a:fillRef idx="0">
+              <a:schemeClr val="accent1"/>
+            </a:fillRef>
+            <a:effectRef idx="0">
+              <a:schemeClr val="accent1"/>
+            </a:effectRef>
+            <a:fontRef idx="minor">
+              <a:schemeClr val="tx1"/>
+            </a:fontRef>
+          </p:style>
+        </p:cxnSp>
+        <p:sp>
+          <p:nvSpPr>
+            <p:cNvPr id="134" name="Freeform: Shape 133">
+              <a:extLst>
+                <a:ext uri="{FF2B5EF4-FFF2-40B4-BE49-F238E27FC236}">
+                  <a16:creationId xmlns:a16="http://schemas.microsoft.com/office/drawing/2014/main" id="{0541F909-63BF-38A8-787C-8305988B02E1}"/>
+                </a:ext>
+              </a:extLst>
+            </p:cNvPr>
+            <p:cNvSpPr/>
+            <p:nvPr/>
+          </p:nvSpPr>
+          <p:spPr>
+            <a:xfrm rot="10800000" flipH="1">
+              <a:off x="8756138" y="4910442"/>
+              <a:ext cx="291509" cy="579635"/>
+            </a:xfrm>
+            <a:custGeom>
+              <a:avLst/>
+              <a:gdLst>
+                <a:gd name="connsiteX0" fmla="*/ 1 w 980033"/>
+                <a:gd name="connsiteY0" fmla="*/ 1948690 h 1948690"/>
+                <a:gd name="connsiteX1" fmla="*/ 980033 w 980033"/>
+                <a:gd name="connsiteY1" fmla="*/ 1948690 h 1948690"/>
+                <a:gd name="connsiteX2" fmla="*/ 980033 w 980033"/>
+                <a:gd name="connsiteY2" fmla="*/ 410430 h 1948690"/>
+                <a:gd name="connsiteX3" fmla="*/ 980032 w 980033"/>
+                <a:gd name="connsiteY3" fmla="*/ 410430 h 1948690"/>
+                <a:gd name="connsiteX4" fmla="*/ 980032 w 980033"/>
+                <a:gd name="connsiteY4" fmla="*/ 0 h 1948690"/>
+                <a:gd name="connsiteX5" fmla="*/ 485176 w 980033"/>
+                <a:gd name="connsiteY5" fmla="*/ 410430 h 1948690"/>
+                <a:gd name="connsiteX6" fmla="*/ 484345 w 980033"/>
+                <a:gd name="connsiteY6" fmla="*/ 410430 h 1948690"/>
+                <a:gd name="connsiteX7" fmla="*/ 0 w 980033"/>
+                <a:gd name="connsiteY7" fmla="*/ 0 h 1948690"/>
+                <a:gd name="connsiteX8" fmla="*/ 0 w 980033"/>
+                <a:gd name="connsiteY8" fmla="*/ 410430 h 1948690"/>
+                <a:gd name="connsiteX9" fmla="*/ 1 w 980033"/>
+                <a:gd name="connsiteY9" fmla="*/ 410430 h 1948690"/>
+              </a:gdLst>
+              <a:ahLst/>
+              <a:cxnLst>
+                <a:cxn ang="0">
+                  <a:pos x="connsiteX0" y="connsiteY0"/>
+                </a:cxn>
+                <a:cxn ang="0">
+                  <a:pos x="connsiteX1" y="connsiteY1"/>
+                </a:cxn>
+                <a:cxn ang="0">
+                  <a:pos x="connsiteX2" y="connsiteY2"/>
+                </a:cxn>
+                <a:cxn ang="0">
+                  <a:pos x="connsiteX3" y="connsiteY3"/>
+                </a:cxn>
+                <a:cxn ang="0">
+                  <a:pos x="connsiteX4" y="connsiteY4"/>
+                </a:cxn>
+                <a:cxn ang="0">
+                  <a:pos x="connsiteX5" y="connsiteY5"/>
+                </a:cxn>
+                <a:cxn ang="0">
+                  <a:pos x="connsiteX6" y="connsiteY6"/>
+                </a:cxn>
+                <a:cxn ang="0">
+                  <a:pos x="connsiteX7" y="connsiteY7"/>
+                </a:cxn>
+                <a:cxn ang="0">
+                  <a:pos x="connsiteX8" y="connsiteY8"/>
+                </a:cxn>
+                <a:cxn ang="0">
+                  <a:pos x="connsiteX9" y="connsiteY9"/>
+                </a:cxn>
+              </a:cxnLst>
+              <a:rect l="l" t="t" r="r" b="b"/>
+              <a:pathLst>
+                <a:path w="980033" h="1948690">
+                  <a:moveTo>
+                    <a:pt x="1" y="1948690"/>
+                  </a:moveTo>
+                  <a:lnTo>
+                    <a:pt x="980033" y="1948690"/>
+                  </a:lnTo>
+                  <a:lnTo>
+                    <a:pt x="980033" y="410430"/>
+                  </a:lnTo>
+                  <a:lnTo>
+                    <a:pt x="980032" y="410430"/>
+                  </a:lnTo>
+                  <a:lnTo>
+                    <a:pt x="980032" y="0"/>
+                  </a:lnTo>
+                  <a:lnTo>
+                    <a:pt x="485176" y="410430"/>
+                  </a:lnTo>
+                  <a:lnTo>
+                    <a:pt x="484345" y="410430"/>
+                  </a:lnTo>
+                  <a:lnTo>
+                    <a:pt x="0" y="0"/>
+                  </a:lnTo>
+                  <a:lnTo>
+                    <a:pt x="0" y="410430"/>
+                  </a:lnTo>
+                  <a:lnTo>
+                    <a:pt x="1" y="410430"/>
+                  </a:lnTo>
+                  <a:close/>
+                </a:path>
+              </a:pathLst>
+            </a:custGeom>
+            <a:solidFill>
+              <a:srgbClr val="2F528F"/>
+            </a:solidFill>
+          </p:spPr>
+          <p:style>
+            <a:lnRef idx="2">
+              <a:schemeClr val="accent1">
+                <a:shade val="50000"/>
+              </a:schemeClr>
+            </a:lnRef>
+            <a:fillRef idx="1">
+              <a:schemeClr val="accent1"/>
+            </a:fillRef>
+            <a:effectRef idx="0">
+              <a:schemeClr val="accent1"/>
+            </a:effectRef>
+            <a:fontRef idx="minor">
+              <a:schemeClr val="lt1"/>
+            </a:fontRef>
+          </p:style>
+          <p:txBody>
+            <a:bodyPr wrap="square" rtlCol="0" anchor="ctr">
+              <a:noAutofit/>
+            </a:bodyPr>
+            <a:lstStyle/>
+            <a:p>
+              <a:pPr algn="ctr"/>
+              <a:endParaRPr lang="en-US" sz="1200"/>
+            </a:p>
+          </p:txBody>
+        </p:sp>
+      </p:grpSp>
+      <p:sp>
+        <p:nvSpPr>
+          <p:cNvPr id="165" name="TextBox 164">
+            <a:extLst>
+              <a:ext uri="{FF2B5EF4-FFF2-40B4-BE49-F238E27FC236}">
+                <a16:creationId xmlns:a16="http://schemas.microsoft.com/office/drawing/2014/main" id="{36D0B366-1A0F-9249-85C0-46ABB9BC08CB}"/>
+              </a:ext>
+            </a:extLst>
+          </p:cNvPr>
+          <p:cNvSpPr txBox="1"/>
+          <p:nvPr/>
+        </p:nvSpPr>
+        <p:spPr>
+          <a:xfrm>
+            <a:off x="8586677" y="6374686"/>
+            <a:ext cx="1147622" cy="369332"/>
+          </a:xfrm>
+          <a:prstGeom prst="rect">
+            <a:avLst/>
+          </a:prstGeom>
+          <a:noFill/>
+        </p:spPr>
+        <p:txBody>
+          <a:bodyPr wrap="none" rtlCol="0">
+            <a:spAutoFit/>
+          </a:bodyPr>
+          <a:lstStyle/>
+          <a:p>
+            <a:pPr algn="ctr"/>
+            <a:r>
+              <a:rPr lang="en-US" dirty="0"/>
+              <a:t>Dictionary</a:t>
+            </a:r>
+          </a:p>
+        </p:txBody>
+      </p:sp>
+      <p:sp>
+        <p:nvSpPr>
+          <p:cNvPr id="170" name="TextBox 169">
+            <a:extLst>
+              <a:ext uri="{FF2B5EF4-FFF2-40B4-BE49-F238E27FC236}">
+                <a16:creationId xmlns:a16="http://schemas.microsoft.com/office/drawing/2014/main" id="{B0C08322-9882-546C-37D8-B51771299520}"/>
+              </a:ext>
+            </a:extLst>
+          </p:cNvPr>
+          <p:cNvSpPr txBox="1"/>
+          <p:nvPr/>
+        </p:nvSpPr>
+        <p:spPr>
+          <a:xfrm>
+            <a:off x="2488310" y="6317125"/>
+            <a:ext cx="1228093" cy="369332"/>
+          </a:xfrm>
+          <a:prstGeom prst="rect">
+            <a:avLst/>
+          </a:prstGeom>
+          <a:noFill/>
+        </p:spPr>
+        <p:txBody>
+          <a:bodyPr wrap="none" rtlCol="0">
+            <a:spAutoFit/>
+          </a:bodyPr>
+          <a:lstStyle/>
+          <a:p>
+            <a:pPr algn="ctr"/>
+            <a:r>
+              <a:rPr lang="en-US" dirty="0"/>
+              <a:t>Categorical</a:t>
+            </a:r>
+          </a:p>
+        </p:txBody>
+      </p:sp>
+      <p:sp>
+        <p:nvSpPr>
+          <p:cNvPr id="171" name="TextBox 170">
+            <a:extLst>
+              <a:ext uri="{FF2B5EF4-FFF2-40B4-BE49-F238E27FC236}">
+                <a16:creationId xmlns:a16="http://schemas.microsoft.com/office/drawing/2014/main" id="{1FC493FF-8C8F-628E-886D-C6E2A257944A}"/>
+              </a:ext>
+            </a:extLst>
+          </p:cNvPr>
+          <p:cNvSpPr txBox="1"/>
+          <p:nvPr/>
+        </p:nvSpPr>
+        <p:spPr>
+          <a:xfrm>
+            <a:off x="4830699" y="6317125"/>
+            <a:ext cx="679610" cy="369332"/>
+          </a:xfrm>
+          <a:prstGeom prst="rect">
+            <a:avLst/>
+          </a:prstGeom>
+          <a:noFill/>
+        </p:spPr>
+        <p:txBody>
+          <a:bodyPr wrap="none" rtlCol="0">
+            <a:spAutoFit/>
+          </a:bodyPr>
+          <a:lstStyle/>
+          <a:p>
+            <a:pPr algn="ctr"/>
+            <a:r>
+              <a:rPr lang="en-US" dirty="0"/>
+              <a:t>Table</a:t>
+            </a:r>
+          </a:p>
+        </p:txBody>
+      </p:sp>
+      <p:sp>
+        <p:nvSpPr>
+          <p:cNvPr id="172" name="TextBox 171">
+            <a:extLst>
+              <a:ext uri="{FF2B5EF4-FFF2-40B4-BE49-F238E27FC236}">
+                <a16:creationId xmlns:a16="http://schemas.microsoft.com/office/drawing/2014/main" id="{F0151844-D244-215C-F2E7-BD512E99E6F1}"/>
+              </a:ext>
+            </a:extLst>
+          </p:cNvPr>
+          <p:cNvSpPr txBox="1"/>
+          <p:nvPr/>
+        </p:nvSpPr>
+        <p:spPr>
+          <a:xfrm>
+            <a:off x="6353451" y="6317125"/>
+            <a:ext cx="1614289" cy="369332"/>
+          </a:xfrm>
+          <a:prstGeom prst="rect">
+            <a:avLst/>
+          </a:prstGeom>
+          <a:noFill/>
+        </p:spPr>
+        <p:txBody>
+          <a:bodyPr wrap="none" rtlCol="0">
+            <a:spAutoFit/>
+          </a:bodyPr>
+          <a:lstStyle/>
+          <a:p>
+            <a:pPr algn="ctr"/>
+            <a:r>
+              <a:rPr lang="en-US" dirty="0"/>
+              <a:t>general objects</a:t>
+            </a:r>
+          </a:p>
+        </p:txBody>
+      </p:sp>
+      <p:grpSp>
+        <p:nvGrpSpPr>
+          <p:cNvPr id="49" name="Group 48">
+            <a:extLst>
+              <a:ext uri="{FF2B5EF4-FFF2-40B4-BE49-F238E27FC236}">
+                <a16:creationId xmlns:a16="http://schemas.microsoft.com/office/drawing/2014/main" id="{468B2442-754F-73DC-953E-4E14223C865E}"/>
+              </a:ext>
+            </a:extLst>
+          </p:cNvPr>
+          <p:cNvGrpSpPr/>
+          <p:nvPr/>
+        </p:nvGrpSpPr>
+        <p:grpSpPr>
+          <a:xfrm>
+            <a:off x="8462341" y="415016"/>
+            <a:ext cx="1347525" cy="1756675"/>
+            <a:chOff x="8462341" y="4989890"/>
+            <a:chExt cx="1347525" cy="1756675"/>
+          </a:xfrm>
+        </p:grpSpPr>
+        <p:sp>
+          <p:nvSpPr>
+            <p:cNvPr id="8" name="Rectangle 7">
+              <a:extLst>
+                <a:ext uri="{FF2B5EF4-FFF2-40B4-BE49-F238E27FC236}">
+                  <a16:creationId xmlns:a16="http://schemas.microsoft.com/office/drawing/2014/main" id="{F506992F-930F-768B-3CB7-822497DA19DC}"/>
+                </a:ext>
+              </a:extLst>
+            </p:cNvPr>
+            <p:cNvSpPr/>
+            <p:nvPr/>
+          </p:nvSpPr>
+          <p:spPr>
+            <a:xfrm>
+              <a:off x="8462342" y="4989890"/>
+              <a:ext cx="1347524" cy="1335806"/>
+            </a:xfrm>
+            <a:prstGeom prst="rect">
+              <a:avLst/>
+            </a:prstGeom>
+            <a:gradFill>
+              <a:gsLst>
+                <a:gs pos="43000">
+                  <a:srgbClr val="FBEFA0"/>
+                </a:gs>
+                <a:gs pos="0">
+                  <a:schemeClr val="accent1">
+                    <a:lumMod val="5000"/>
+                    <a:lumOff val="95000"/>
+                  </a:schemeClr>
+                </a:gs>
+                <a:gs pos="100000">
+                  <a:srgbClr val="FCEE94"/>
+                </a:gs>
+              </a:gsLst>
+              <a:lin ang="2700000" scaled="0"/>
+            </a:gradFill>
+            <a:ln>
+              <a:noFill/>
+            </a:ln>
+          </p:spPr>
+          <p:style>
+            <a:lnRef idx="2">
+              <a:schemeClr val="accent1">
+                <a:shade val="50000"/>
+              </a:schemeClr>
+            </a:lnRef>
+            <a:fillRef idx="1">
+              <a:schemeClr val="accent1"/>
+            </a:fillRef>
+            <a:effectRef idx="0">
+              <a:schemeClr val="accent1"/>
+            </a:effectRef>
+            <a:fontRef idx="minor">
+              <a:schemeClr val="lt1"/>
+            </a:fontRef>
+          </p:style>
+          <p:txBody>
+            <a:bodyPr rtlCol="0" anchor="ctr"/>
+            <a:lstStyle/>
+            <a:p>
+              <a:pPr algn="ctr"/>
+              <a:endParaRPr lang="en-US" sz="1200"/>
+            </a:p>
+          </p:txBody>
+        </p:sp>
+        <p:sp>
+          <p:nvSpPr>
+            <p:cNvPr id="11" name="Rectangle 10">
+              <a:extLst>
+                <a:ext uri="{FF2B5EF4-FFF2-40B4-BE49-F238E27FC236}">
+                  <a16:creationId xmlns:a16="http://schemas.microsoft.com/office/drawing/2014/main" id="{0870B86F-55BD-CB32-087E-20C06C4B9430}"/>
+                </a:ext>
+              </a:extLst>
+            </p:cNvPr>
+            <p:cNvSpPr/>
+            <p:nvPr/>
+          </p:nvSpPr>
+          <p:spPr>
+            <a:xfrm>
+              <a:off x="8462341" y="4992038"/>
+              <a:ext cx="1347524" cy="1331509"/>
+            </a:xfrm>
+            <a:prstGeom prst="rect">
+              <a:avLst/>
+            </a:prstGeom>
+            <a:noFill/>
+            <a:ln w="117475"/>
+          </p:spPr>
+          <p:style>
+            <a:lnRef idx="2">
+              <a:schemeClr val="accent1">
+                <a:shade val="50000"/>
+              </a:schemeClr>
+            </a:lnRef>
+            <a:fillRef idx="1">
+              <a:schemeClr val="accent1"/>
+            </a:fillRef>
+            <a:effectRef idx="0">
+              <a:schemeClr val="accent1"/>
+            </a:effectRef>
+            <a:fontRef idx="minor">
+              <a:schemeClr val="lt1"/>
+            </a:fontRef>
+          </p:style>
+          <p:txBody>
+            <a:bodyPr rtlCol="0" anchor="ctr"/>
+            <a:lstStyle/>
+            <a:p>
+              <a:pPr algn="ctr"/>
+              <a:endParaRPr lang="en-US" sz="1200"/>
+            </a:p>
+          </p:txBody>
+        </p:sp>
+        <p:sp>
+          <p:nvSpPr>
+            <p:cNvPr id="13" name="TextBox 12">
+              <a:extLst>
+                <a:ext uri="{FF2B5EF4-FFF2-40B4-BE49-F238E27FC236}">
+                  <a16:creationId xmlns:a16="http://schemas.microsoft.com/office/drawing/2014/main" id="{5AE5AFD7-3613-75FB-D7F3-DFBA303A14C0}"/>
+                </a:ext>
+              </a:extLst>
+            </p:cNvPr>
+            <p:cNvSpPr txBox="1"/>
+            <p:nvPr/>
+          </p:nvSpPr>
+          <p:spPr>
+            <a:xfrm>
+              <a:off x="8723650" y="6377233"/>
+              <a:ext cx="825547" cy="369332"/>
+            </a:xfrm>
+            <a:prstGeom prst="rect">
+              <a:avLst/>
+            </a:prstGeom>
+            <a:noFill/>
+          </p:spPr>
+          <p:txBody>
+            <a:bodyPr wrap="none" rtlCol="0">
+              <a:spAutoFit/>
+            </a:bodyPr>
+            <a:lstStyle/>
+            <a:p>
+              <a:pPr algn="ctr"/>
+              <a:r>
+                <a:rPr lang="en-US" dirty="0"/>
+                <a:t>Logical</a:t>
+              </a:r>
+            </a:p>
+          </p:txBody>
+        </p:sp>
+        <p:sp>
+          <p:nvSpPr>
+            <p:cNvPr id="41" name="Freeform: Shape 40">
+              <a:extLst>
+                <a:ext uri="{FF2B5EF4-FFF2-40B4-BE49-F238E27FC236}">
+                  <a16:creationId xmlns:a16="http://schemas.microsoft.com/office/drawing/2014/main" id="{CF08F898-A61D-88CA-93CC-05079C0E8CB2}"/>
+                </a:ext>
+              </a:extLst>
+            </p:cNvPr>
+            <p:cNvSpPr/>
+            <p:nvPr/>
+          </p:nvSpPr>
+          <p:spPr>
+            <a:xfrm rot="2693785">
+              <a:off x="8937259" y="5146103"/>
+              <a:ext cx="460343" cy="851247"/>
+            </a:xfrm>
+            <a:custGeom>
+              <a:avLst/>
+              <a:gdLst>
+                <a:gd name="connsiteX0" fmla="*/ 621374 w 903556"/>
+                <a:gd name="connsiteY0" fmla="*/ 16614 h 1670818"/>
+                <a:gd name="connsiteX1" fmla="*/ 653247 w 903556"/>
+                <a:gd name="connsiteY1" fmla="*/ 2827 h 1670818"/>
+                <a:gd name="connsiteX2" fmla="*/ 834709 w 903556"/>
+                <a:gd name="connsiteY2" fmla="*/ 5 h 1670818"/>
+                <a:gd name="connsiteX3" fmla="*/ 880782 w 903556"/>
+                <a:gd name="connsiteY3" fmla="*/ 44667 h 1670818"/>
+                <a:gd name="connsiteX4" fmla="*/ 903556 w 903556"/>
+                <a:gd name="connsiteY4" fmla="*/ 1508897 h 1670818"/>
+                <a:gd name="connsiteX5" fmla="*/ 900113 w 903556"/>
+                <a:gd name="connsiteY5" fmla="*/ 1517588 h 1670818"/>
+                <a:gd name="connsiteX6" fmla="*/ 900113 w 903556"/>
+                <a:gd name="connsiteY6" fmla="*/ 1628907 h 1670818"/>
+                <a:gd name="connsiteX7" fmla="*/ 858202 w 903556"/>
+                <a:gd name="connsiteY7" fmla="*/ 1670818 h 1670818"/>
+                <a:gd name="connsiteX8" fmla="*/ 41911 w 903556"/>
+                <a:gd name="connsiteY8" fmla="*/ 1670818 h 1670818"/>
+                <a:gd name="connsiteX9" fmla="*/ 0 w 903556"/>
+                <a:gd name="connsiteY9" fmla="*/ 1628907 h 1670818"/>
+                <a:gd name="connsiteX10" fmla="*/ 0 w 903556"/>
+                <a:gd name="connsiteY10" fmla="*/ 1461268 h 1670818"/>
+                <a:gd name="connsiteX11" fmla="*/ 41911 w 903556"/>
+                <a:gd name="connsiteY11" fmla="*/ 1419357 h 1670818"/>
+                <a:gd name="connsiteX12" fmla="*/ 629900 w 903556"/>
+                <a:gd name="connsiteY12" fmla="*/ 1419357 h 1670818"/>
+                <a:gd name="connsiteX13" fmla="*/ 608585 w 903556"/>
+                <a:gd name="connsiteY13" fmla="*/ 48900 h 1670818"/>
+                <a:gd name="connsiteX14" fmla="*/ 621374 w 903556"/>
+                <a:gd name="connsiteY14" fmla="*/ 16614 h 1670818"/>
+              </a:gdLst>
+              <a:ahLst/>
+              <a:cxnLst>
+                <a:cxn ang="0">
+                  <a:pos x="connsiteX0" y="connsiteY0"/>
+                </a:cxn>
+                <a:cxn ang="0">
+                  <a:pos x="connsiteX1" y="connsiteY1"/>
+                </a:cxn>
+                <a:cxn ang="0">
+                  <a:pos x="connsiteX2" y="connsiteY2"/>
+                </a:cxn>
+                <a:cxn ang="0">
+                  <a:pos x="connsiteX3" y="connsiteY3"/>
+                </a:cxn>
+                <a:cxn ang="0">
+                  <a:pos x="connsiteX4" y="connsiteY4"/>
+                </a:cxn>
+                <a:cxn ang="0">
+                  <a:pos x="connsiteX5" y="connsiteY5"/>
+                </a:cxn>
+                <a:cxn ang="0">
+                  <a:pos x="connsiteX6" y="connsiteY6"/>
+                </a:cxn>
+                <a:cxn ang="0">
+                  <a:pos x="connsiteX7" y="connsiteY7"/>
+                </a:cxn>
+                <a:cxn ang="0">
+                  <a:pos x="connsiteX8" y="connsiteY8"/>
+                </a:cxn>
+                <a:cxn ang="0">
+                  <a:pos x="connsiteX9" y="connsiteY9"/>
+                </a:cxn>
+                <a:cxn ang="0">
+                  <a:pos x="connsiteX10" y="connsiteY10"/>
+                </a:cxn>
+                <a:cxn ang="0">
+                  <a:pos x="connsiteX11" y="connsiteY11"/>
+                </a:cxn>
+                <a:cxn ang="0">
+                  <a:pos x="connsiteX12" y="connsiteY12"/>
+                </a:cxn>
+                <a:cxn ang="0">
+                  <a:pos x="connsiteX13" y="connsiteY13"/>
+                </a:cxn>
+                <a:cxn ang="0">
+                  <a:pos x="connsiteX14" y="connsiteY14"/>
+                </a:cxn>
+              </a:cxnLst>
+              <a:rect l="l" t="t" r="r" b="b"/>
+              <a:pathLst>
+                <a:path w="903556" h="1670818">
+                  <a:moveTo>
+                    <a:pt x="621374" y="16614"/>
+                  </a:moveTo>
+                  <a:cubicBezTo>
+                    <a:pt x="629456" y="8276"/>
+                    <a:pt x="640719" y="3022"/>
+                    <a:pt x="653247" y="2827"/>
+                  </a:cubicBezTo>
+                  <a:lnTo>
+                    <a:pt x="834709" y="5"/>
+                  </a:lnTo>
+                  <a:cubicBezTo>
+                    <a:pt x="859765" y="-385"/>
+                    <a:pt x="880393" y="19611"/>
+                    <a:pt x="880782" y="44667"/>
+                  </a:cubicBezTo>
+                  <a:lnTo>
+                    <a:pt x="903556" y="1508897"/>
+                  </a:lnTo>
+                  <a:lnTo>
+                    <a:pt x="900113" y="1517588"/>
+                  </a:lnTo>
+                  <a:lnTo>
+                    <a:pt x="900113" y="1628907"/>
+                  </a:lnTo>
+                  <a:cubicBezTo>
+                    <a:pt x="900113" y="1652054"/>
+                    <a:pt x="881349" y="1670818"/>
+                    <a:pt x="858202" y="1670818"/>
+                  </a:cubicBezTo>
+                  <a:lnTo>
+                    <a:pt x="41911" y="1670818"/>
+                  </a:lnTo>
+                  <a:cubicBezTo>
+                    <a:pt x="18764" y="1670818"/>
+                    <a:pt x="0" y="1652054"/>
+                    <a:pt x="0" y="1628907"/>
+                  </a:cubicBezTo>
+                  <a:lnTo>
+                    <a:pt x="0" y="1461268"/>
+                  </a:lnTo>
+                  <a:cubicBezTo>
+                    <a:pt x="0" y="1438121"/>
+                    <a:pt x="18764" y="1419357"/>
+                    <a:pt x="41911" y="1419357"/>
+                  </a:cubicBezTo>
+                  <a:lnTo>
+                    <a:pt x="629900" y="1419357"/>
+                  </a:lnTo>
+                  <a:lnTo>
+                    <a:pt x="608585" y="48900"/>
+                  </a:lnTo>
+                  <a:cubicBezTo>
+                    <a:pt x="608391" y="36372"/>
+                    <a:pt x="613292" y="24951"/>
+                    <a:pt x="621374" y="16614"/>
+                  </a:cubicBezTo>
+                  <a:close/>
+                </a:path>
+              </a:pathLst>
+            </a:custGeom>
+            <a:solidFill>
+              <a:srgbClr val="2F528F"/>
+            </a:solidFill>
+          </p:spPr>
+          <p:style>
+            <a:lnRef idx="2">
+              <a:schemeClr val="accent1">
+                <a:shade val="50000"/>
+              </a:schemeClr>
+            </a:lnRef>
+            <a:fillRef idx="1">
+              <a:schemeClr val="accent1"/>
+            </a:fillRef>
+            <a:effectRef idx="0">
+              <a:schemeClr val="accent1"/>
+            </a:effectRef>
+            <a:fontRef idx="minor">
+              <a:schemeClr val="lt1"/>
+            </a:fontRef>
+          </p:style>
+          <p:txBody>
+            <a:bodyPr wrap="square" rtlCol="0" anchor="ctr">
+              <a:noAutofit/>
+            </a:bodyPr>
+            <a:lstStyle/>
+            <a:p>
+              <a:pPr algn="ctr"/>
               <a:endParaRPr lang="en-US"/>
             </a:p>
           </p:txBody>
         </p:sp>
+      </p:grpSp>
+      <p:grpSp>
+        <p:nvGrpSpPr>
+          <p:cNvPr id="54" name="Group 53">
+            <a:extLst>
+              <a:ext uri="{FF2B5EF4-FFF2-40B4-BE49-F238E27FC236}">
+                <a16:creationId xmlns:a16="http://schemas.microsoft.com/office/drawing/2014/main" id="{466329B5-FF81-0204-BB70-1ED6AF0B49A9}"/>
+              </a:ext>
+            </a:extLst>
+          </p:cNvPr>
+          <p:cNvGrpSpPr/>
+          <p:nvPr/>
+        </p:nvGrpSpPr>
+        <p:grpSpPr>
+          <a:xfrm>
+            <a:off x="8467455" y="2618510"/>
+            <a:ext cx="2592723" cy="2488670"/>
+            <a:chOff x="8467455" y="2618510"/>
+            <a:chExt cx="2592723" cy="2488670"/>
+          </a:xfrm>
+        </p:grpSpPr>
+        <p:sp>
+          <p:nvSpPr>
+            <p:cNvPr id="145" name="Rectangle 144">
+              <a:extLst>
+                <a:ext uri="{FF2B5EF4-FFF2-40B4-BE49-F238E27FC236}">
+                  <a16:creationId xmlns:a16="http://schemas.microsoft.com/office/drawing/2014/main" id="{6CAE31BA-3DDE-B411-F551-D461274338B5}"/>
+                </a:ext>
+              </a:extLst>
+            </p:cNvPr>
+            <p:cNvSpPr/>
+            <p:nvPr/>
+          </p:nvSpPr>
+          <p:spPr>
+            <a:xfrm>
+              <a:off x="8472083" y="2618510"/>
+              <a:ext cx="1282123" cy="1335806"/>
+            </a:xfrm>
+            <a:prstGeom prst="rect">
+              <a:avLst/>
+            </a:prstGeom>
+            <a:gradFill>
+              <a:gsLst>
+                <a:gs pos="43000">
+                  <a:srgbClr val="FBEFA0"/>
+                </a:gs>
+                <a:gs pos="0">
+                  <a:schemeClr val="accent1">
+                    <a:lumMod val="5000"/>
+                    <a:lumOff val="95000"/>
+                  </a:schemeClr>
+                </a:gs>
+                <a:gs pos="100000">
+                  <a:srgbClr val="FCEE94"/>
+                </a:gs>
+              </a:gsLst>
+              <a:lin ang="2700000" scaled="0"/>
+            </a:gradFill>
+            <a:ln>
+              <a:noFill/>
+            </a:ln>
+          </p:spPr>
+          <p:style>
+            <a:lnRef idx="2">
+              <a:schemeClr val="accent1">
+                <a:shade val="50000"/>
+              </a:schemeClr>
+            </a:lnRef>
+            <a:fillRef idx="1">
+              <a:schemeClr val="accent1"/>
+            </a:fillRef>
+            <a:effectRef idx="0">
+              <a:schemeClr val="accent1"/>
+            </a:effectRef>
+            <a:fontRef idx="minor">
+              <a:schemeClr val="lt1"/>
+            </a:fontRef>
+          </p:style>
+          <p:txBody>
+            <a:bodyPr rtlCol="0" anchor="ctr"/>
+            <a:lstStyle/>
+            <a:p>
+              <a:pPr algn="ctr"/>
+              <a:endParaRPr lang="en-US" sz="1200"/>
+            </a:p>
+          </p:txBody>
+        </p:sp>
+        <p:sp>
+          <p:nvSpPr>
+            <p:cNvPr id="146" name="Rectangle 145">
+              <a:extLst>
+                <a:ext uri="{FF2B5EF4-FFF2-40B4-BE49-F238E27FC236}">
+                  <a16:creationId xmlns:a16="http://schemas.microsoft.com/office/drawing/2014/main" id="{F2C02136-28DF-3DEA-717D-B71FEB2483AE}"/>
+                </a:ext>
+              </a:extLst>
+            </p:cNvPr>
+            <p:cNvSpPr/>
+            <p:nvPr/>
+          </p:nvSpPr>
+          <p:spPr>
+            <a:xfrm>
+              <a:off x="8468461" y="2622807"/>
+              <a:ext cx="1293272" cy="1359242"/>
+            </a:xfrm>
+            <a:prstGeom prst="rect">
+              <a:avLst/>
+            </a:prstGeom>
+            <a:noFill/>
+            <a:ln w="117475"/>
+          </p:spPr>
+          <p:style>
+            <a:lnRef idx="2">
+              <a:schemeClr val="accent1">
+                <a:shade val="50000"/>
+              </a:schemeClr>
+            </a:lnRef>
+            <a:fillRef idx="1">
+              <a:schemeClr val="accent1"/>
+            </a:fillRef>
+            <a:effectRef idx="0">
+              <a:schemeClr val="accent1"/>
+            </a:effectRef>
+            <a:fontRef idx="minor">
+              <a:schemeClr val="lt1"/>
+            </a:fontRef>
+          </p:style>
+          <p:txBody>
+            <a:bodyPr rtlCol="0" anchor="ctr"/>
+            <a:lstStyle/>
+            <a:p>
+              <a:pPr algn="ctr"/>
+              <a:endParaRPr lang="en-US" sz="1200"/>
+            </a:p>
+          </p:txBody>
+        </p:sp>
+        <p:cxnSp>
+          <p:nvCxnSpPr>
+            <p:cNvPr id="148" name="Straight Connector 147">
+              <a:extLst>
+                <a:ext uri="{FF2B5EF4-FFF2-40B4-BE49-F238E27FC236}">
+                  <a16:creationId xmlns:a16="http://schemas.microsoft.com/office/drawing/2014/main" id="{6ECF1D99-3CD7-F392-E85E-4020224CCA42}"/>
+                </a:ext>
+              </a:extLst>
+            </p:cNvPr>
+            <p:cNvCxnSpPr>
+              <a:cxnSpLocks/>
+            </p:cNvCxnSpPr>
+            <p:nvPr/>
+          </p:nvCxnSpPr>
+          <p:spPr>
+            <a:xfrm flipV="1">
+              <a:off x="8773205" y="3823734"/>
+              <a:ext cx="0" cy="196498"/>
+            </a:xfrm>
+            <a:prstGeom prst="line">
+              <a:avLst/>
+            </a:prstGeom>
+            <a:ln w="117475">
+              <a:solidFill>
+                <a:srgbClr val="2F528F"/>
+              </a:solidFill>
+            </a:ln>
+          </p:spPr>
+          <p:style>
+            <a:lnRef idx="1">
+              <a:schemeClr val="accent1"/>
+            </a:lnRef>
+            <a:fillRef idx="0">
+              <a:schemeClr val="accent1"/>
+            </a:fillRef>
+            <a:effectRef idx="0">
+              <a:schemeClr val="accent1"/>
+            </a:effectRef>
+            <a:fontRef idx="minor">
+              <a:schemeClr val="tx1"/>
+            </a:fontRef>
+          </p:style>
+        </p:cxnSp>
+        <p:cxnSp>
+          <p:nvCxnSpPr>
+            <p:cNvPr id="150" name="Straight Connector 149">
+              <a:extLst>
+                <a:ext uri="{FF2B5EF4-FFF2-40B4-BE49-F238E27FC236}">
+                  <a16:creationId xmlns:a16="http://schemas.microsoft.com/office/drawing/2014/main" id="{6732FE87-4657-4E7F-3EFB-2BE22920D3D5}"/>
+                </a:ext>
+              </a:extLst>
+            </p:cNvPr>
+            <p:cNvCxnSpPr>
+              <a:cxnSpLocks/>
+            </p:cNvCxnSpPr>
+            <p:nvPr/>
+          </p:nvCxnSpPr>
+          <p:spPr>
+            <a:xfrm rot="5400000" flipV="1">
+              <a:off x="8565704" y="3630635"/>
+              <a:ext cx="0" cy="196498"/>
+            </a:xfrm>
+            <a:prstGeom prst="line">
+              <a:avLst/>
+            </a:prstGeom>
+            <a:ln w="117475">
+              <a:solidFill>
+                <a:srgbClr val="2F528F"/>
+              </a:solidFill>
+            </a:ln>
+          </p:spPr>
+          <p:style>
+            <a:lnRef idx="1">
+              <a:schemeClr val="accent1"/>
+            </a:lnRef>
+            <a:fillRef idx="0">
+              <a:schemeClr val="accent1"/>
+            </a:fillRef>
+            <a:effectRef idx="0">
+              <a:schemeClr val="accent1"/>
+            </a:effectRef>
+            <a:fontRef idx="minor">
+              <a:schemeClr val="tx1"/>
+            </a:fontRef>
+          </p:style>
+        </p:cxnSp>
+        <p:cxnSp>
+          <p:nvCxnSpPr>
+            <p:cNvPr id="151" name="Straight Connector 150">
+              <a:extLst>
+                <a:ext uri="{FF2B5EF4-FFF2-40B4-BE49-F238E27FC236}">
+                  <a16:creationId xmlns:a16="http://schemas.microsoft.com/office/drawing/2014/main" id="{3C012D5F-134A-4647-5D5F-DA4A4F3E5CDC}"/>
+                </a:ext>
+              </a:extLst>
+            </p:cNvPr>
+            <p:cNvCxnSpPr>
+              <a:cxnSpLocks/>
+            </p:cNvCxnSpPr>
+            <p:nvPr/>
+          </p:nvCxnSpPr>
+          <p:spPr>
+            <a:xfrm rot="5400000" flipV="1">
+              <a:off x="8565704" y="3338548"/>
+              <a:ext cx="0" cy="196498"/>
+            </a:xfrm>
+            <a:prstGeom prst="line">
+              <a:avLst/>
+            </a:prstGeom>
+            <a:ln w="117475">
+              <a:solidFill>
+                <a:srgbClr val="2F528F"/>
+              </a:solidFill>
+            </a:ln>
+          </p:spPr>
+          <p:style>
+            <a:lnRef idx="1">
+              <a:schemeClr val="accent1"/>
+            </a:lnRef>
+            <a:fillRef idx="0">
+              <a:schemeClr val="accent1"/>
+            </a:fillRef>
+            <a:effectRef idx="0">
+              <a:schemeClr val="accent1"/>
+            </a:effectRef>
+            <a:fontRef idx="minor">
+              <a:schemeClr val="tx1"/>
+            </a:fontRef>
+          </p:style>
+        </p:cxnSp>
+        <p:cxnSp>
+          <p:nvCxnSpPr>
+            <p:cNvPr id="152" name="Straight Connector 151">
+              <a:extLst>
+                <a:ext uri="{FF2B5EF4-FFF2-40B4-BE49-F238E27FC236}">
+                  <a16:creationId xmlns:a16="http://schemas.microsoft.com/office/drawing/2014/main" id="{1866685A-864A-5826-AAE0-649224E5A7EF}"/>
+                </a:ext>
+              </a:extLst>
+            </p:cNvPr>
+            <p:cNvCxnSpPr>
+              <a:cxnSpLocks/>
+            </p:cNvCxnSpPr>
+            <p:nvPr/>
+          </p:nvCxnSpPr>
+          <p:spPr>
+            <a:xfrm rot="5400000" flipV="1">
+              <a:off x="8565704" y="3046462"/>
+              <a:ext cx="0" cy="196498"/>
+            </a:xfrm>
+            <a:prstGeom prst="line">
+              <a:avLst/>
+            </a:prstGeom>
+            <a:ln w="117475">
+              <a:solidFill>
+                <a:srgbClr val="2F528F"/>
+              </a:solidFill>
+            </a:ln>
+          </p:spPr>
+          <p:style>
+            <a:lnRef idx="1">
+              <a:schemeClr val="accent1"/>
+            </a:lnRef>
+            <a:fillRef idx="0">
+              <a:schemeClr val="accent1"/>
+            </a:fillRef>
+            <a:effectRef idx="0">
+              <a:schemeClr val="accent1"/>
+            </a:effectRef>
+            <a:fontRef idx="minor">
+              <a:schemeClr val="tx1"/>
+            </a:fontRef>
+          </p:style>
+        </p:cxnSp>
+        <p:cxnSp>
+          <p:nvCxnSpPr>
+            <p:cNvPr id="153" name="Straight Connector 152">
+              <a:extLst>
+                <a:ext uri="{FF2B5EF4-FFF2-40B4-BE49-F238E27FC236}">
+                  <a16:creationId xmlns:a16="http://schemas.microsoft.com/office/drawing/2014/main" id="{2FC053F2-EC7A-E414-366D-3E50E458A59A}"/>
+                </a:ext>
+              </a:extLst>
+            </p:cNvPr>
+            <p:cNvCxnSpPr>
+              <a:cxnSpLocks/>
+            </p:cNvCxnSpPr>
+            <p:nvPr/>
+          </p:nvCxnSpPr>
+          <p:spPr>
+            <a:xfrm rot="5400000" flipV="1">
+              <a:off x="8567615" y="2762324"/>
+              <a:ext cx="0" cy="196498"/>
+            </a:xfrm>
+            <a:prstGeom prst="line">
+              <a:avLst/>
+            </a:prstGeom>
+            <a:ln w="117475">
+              <a:solidFill>
+                <a:srgbClr val="2F528F"/>
+              </a:solidFill>
+            </a:ln>
+          </p:spPr>
+          <p:style>
+            <a:lnRef idx="1">
+              <a:schemeClr val="accent1"/>
+            </a:lnRef>
+            <a:fillRef idx="0">
+              <a:schemeClr val="accent1"/>
+            </a:fillRef>
+            <a:effectRef idx="0">
+              <a:schemeClr val="accent1"/>
+            </a:effectRef>
+            <a:fontRef idx="minor">
+              <a:schemeClr val="tx1"/>
+            </a:fontRef>
+          </p:style>
+        </p:cxnSp>
         <p:grpSp>
           <p:nvGrpSpPr>
-            <p:cNvPr id="160" name="Group 159">
+            <p:cNvPr id="161" name="Group 160">
               <a:extLst>
                 <a:ext uri="{FF2B5EF4-FFF2-40B4-BE49-F238E27FC236}">
-                  <a16:creationId xmlns:a16="http://schemas.microsoft.com/office/drawing/2014/main" id="{2C2045F2-A3D4-0A1E-3E53-73AAC63AD46B}"/>
+                  <a16:creationId xmlns:a16="http://schemas.microsoft.com/office/drawing/2014/main" id="{FBF87443-BDC7-C993-AD95-22333F5F6B5C}"/>
                 </a:ext>
               </a:extLst>
             </p:cNvPr>
@@ -7186,244 +7618,276 @@
           </p:nvGrpSpPr>
           <p:grpSpPr>
             <a:xfrm>
-              <a:off x="8367869" y="3389512"/>
-              <a:ext cx="332890" cy="332890"/>
-              <a:chOff x="8366962" y="3391641"/>
-              <a:chExt cx="332890" cy="332890"/>
+              <a:off x="9099431" y="3182674"/>
+              <a:ext cx="865659" cy="865659"/>
+              <a:chOff x="7868443" y="3217657"/>
+              <a:chExt cx="999508" cy="999508"/>
             </a:xfrm>
           </p:grpSpPr>
-          <p:cxnSp>
-            <p:nvCxnSpPr>
-              <p:cNvPr id="156" name="Straight Connector 155">
+          <p:sp>
+            <p:nvSpPr>
+              <p:cNvPr id="155" name="Oval 154">
                 <a:extLst>
                   <a:ext uri="{FF2B5EF4-FFF2-40B4-BE49-F238E27FC236}">
-                    <a16:creationId xmlns:a16="http://schemas.microsoft.com/office/drawing/2014/main" id="{B457A082-3AFF-0A45-0FE1-F40CFB31B705}"/>
+                    <a16:creationId xmlns:a16="http://schemas.microsoft.com/office/drawing/2014/main" id="{77359981-F919-2C5E-2FF8-E2ECDEC9C1FB}"/>
                   </a:ext>
                 </a:extLst>
               </p:cNvPr>
-              <p:cNvCxnSpPr>
-                <a:cxnSpLocks/>
-              </p:cNvCxnSpPr>
+              <p:cNvSpPr/>
               <p:nvPr/>
-            </p:nvCxnSpPr>
+            </p:nvSpPr>
             <p:spPr>
-              <a:xfrm flipH="1" flipV="1">
-                <a:off x="8368197" y="3391641"/>
-                <a:ext cx="6645" cy="332890"/>
+              <a:xfrm>
+                <a:off x="7868443" y="3217657"/>
+                <a:ext cx="999508" cy="999508"/>
               </a:xfrm>
-              <a:prstGeom prst="line">
+              <a:prstGeom prst="ellipse">
                 <a:avLst/>
               </a:prstGeom>
-              <a:ln w="63500">
+              <a:gradFill>
+                <a:gsLst>
+                  <a:gs pos="0">
+                    <a:schemeClr val="tx2">
+                      <a:lumMod val="60000"/>
+                      <a:lumOff val="40000"/>
+                    </a:schemeClr>
+                  </a:gs>
+                  <a:gs pos="100000">
+                    <a:schemeClr val="bg1">
+                      <a:lumMod val="95000"/>
+                    </a:schemeClr>
+                  </a:gs>
+                </a:gsLst>
+                <a:lin ang="2700000" scaled="0"/>
+              </a:gradFill>
+              <a:ln w="114300">
                 <a:solidFill>
                   <a:srgbClr val="2F528F"/>
                 </a:solidFill>
               </a:ln>
             </p:spPr>
             <p:style>
-              <a:lnRef idx="1">
-                <a:schemeClr val="accent1"/>
+              <a:lnRef idx="2">
+                <a:schemeClr val="accent1">
+                  <a:shade val="50000"/>
+                </a:schemeClr>
               </a:lnRef>
-              <a:fillRef idx="0">
+              <a:fillRef idx="1">
                 <a:schemeClr val="accent1"/>
               </a:fillRef>
               <a:effectRef idx="0">
                 <a:schemeClr val="accent1"/>
               </a:effectRef>
               <a:fontRef idx="minor">
-                <a:schemeClr val="tx1"/>
+                <a:schemeClr val="lt1"/>
               </a:fontRef>
             </p:style>
-          </p:cxnSp>
-          <p:cxnSp>
-            <p:nvCxnSpPr>
-              <p:cNvPr id="159" name="Straight Connector 158">
+            <p:txBody>
+              <a:bodyPr rtlCol="0" anchor="ctr"/>
+              <a:lstStyle/>
+              <a:p>
+                <a:pPr algn="ctr"/>
+                <a:endParaRPr lang="en-US"/>
+              </a:p>
+            </p:txBody>
+          </p:sp>
+          <p:grpSp>
+            <p:nvGrpSpPr>
+              <p:cNvPr id="160" name="Group 159">
                 <a:extLst>
                   <a:ext uri="{FF2B5EF4-FFF2-40B4-BE49-F238E27FC236}">
-                    <a16:creationId xmlns:a16="http://schemas.microsoft.com/office/drawing/2014/main" id="{4605FFD8-F64C-AD1B-2FEB-1FF81BF6DE5A}"/>
+                    <a16:creationId xmlns:a16="http://schemas.microsoft.com/office/drawing/2014/main" id="{2C2045F2-A3D4-0A1E-3E53-73AAC63AD46B}"/>
                   </a:ext>
                 </a:extLst>
               </p:cNvPr>
-              <p:cNvCxnSpPr>
-                <a:cxnSpLocks/>
-              </p:cNvCxnSpPr>
+              <p:cNvGrpSpPr/>
               <p:nvPr/>
-            </p:nvCxnSpPr>
-            <p:spPr>
-              <a:xfrm rot="5400000" flipH="1" flipV="1">
-                <a:off x="8530084" y="3529363"/>
-                <a:ext cx="6645" cy="332890"/>
+            </p:nvGrpSpPr>
+            <p:grpSpPr>
+              <a:xfrm>
+                <a:off x="8367869" y="3389512"/>
+                <a:ext cx="332890" cy="332890"/>
+                <a:chOff x="8366962" y="3391641"/>
+                <a:chExt cx="332890" cy="332890"/>
               </a:xfrm>
-              <a:prstGeom prst="line">
-                <a:avLst/>
-              </a:prstGeom>
-              <a:ln w="63500">
-                <a:solidFill>
-                  <a:srgbClr val="2F528F"/>
-                </a:solidFill>
-              </a:ln>
-            </p:spPr>
-            <p:style>
-              <a:lnRef idx="1">
-                <a:schemeClr val="accent1"/>
-              </a:lnRef>
-              <a:fillRef idx="0">
-                <a:schemeClr val="accent1"/>
-              </a:fillRef>
-              <a:effectRef idx="0">
-                <a:schemeClr val="accent1"/>
-              </a:effectRef>
-              <a:fontRef idx="minor">
-                <a:schemeClr val="tx1"/>
-              </a:fontRef>
-            </p:style>
-          </p:cxnSp>
+            </p:grpSpPr>
+            <p:cxnSp>
+              <p:nvCxnSpPr>
+                <p:cNvPr id="156" name="Straight Connector 155">
+                  <a:extLst>
+                    <a:ext uri="{FF2B5EF4-FFF2-40B4-BE49-F238E27FC236}">
+                      <a16:creationId xmlns:a16="http://schemas.microsoft.com/office/drawing/2014/main" id="{B457A082-3AFF-0A45-0FE1-F40CFB31B705}"/>
+                    </a:ext>
+                  </a:extLst>
+                </p:cNvPr>
+                <p:cNvCxnSpPr>
+                  <a:cxnSpLocks/>
+                </p:cNvCxnSpPr>
+                <p:nvPr/>
+              </p:nvCxnSpPr>
+              <p:spPr>
+                <a:xfrm flipH="1" flipV="1">
+                  <a:off x="8368197" y="3391641"/>
+                  <a:ext cx="6645" cy="332890"/>
+                </a:xfrm>
+                <a:prstGeom prst="line">
+                  <a:avLst/>
+                </a:prstGeom>
+                <a:ln w="63500">
+                  <a:solidFill>
+                    <a:srgbClr val="2F528F"/>
+                  </a:solidFill>
+                </a:ln>
+              </p:spPr>
+              <p:style>
+                <a:lnRef idx="1">
+                  <a:schemeClr val="accent1"/>
+                </a:lnRef>
+                <a:fillRef idx="0">
+                  <a:schemeClr val="accent1"/>
+                </a:fillRef>
+                <a:effectRef idx="0">
+                  <a:schemeClr val="accent1"/>
+                </a:effectRef>
+                <a:fontRef idx="minor">
+                  <a:schemeClr val="tx1"/>
+                </a:fontRef>
+              </p:style>
+            </p:cxnSp>
+            <p:cxnSp>
+              <p:nvCxnSpPr>
+                <p:cNvPr id="159" name="Straight Connector 158">
+                  <a:extLst>
+                    <a:ext uri="{FF2B5EF4-FFF2-40B4-BE49-F238E27FC236}">
+                      <a16:creationId xmlns:a16="http://schemas.microsoft.com/office/drawing/2014/main" id="{4605FFD8-F64C-AD1B-2FEB-1FF81BF6DE5A}"/>
+                    </a:ext>
+                  </a:extLst>
+                </p:cNvPr>
+                <p:cNvCxnSpPr>
+                  <a:cxnSpLocks/>
+                </p:cNvCxnSpPr>
+                <p:nvPr/>
+              </p:nvCxnSpPr>
+              <p:spPr>
+                <a:xfrm rot="5400000" flipH="1" flipV="1">
+                  <a:off x="8530084" y="3529363"/>
+                  <a:ext cx="6645" cy="332890"/>
+                </a:xfrm>
+                <a:prstGeom prst="line">
+                  <a:avLst/>
+                </a:prstGeom>
+                <a:ln w="63500">
+                  <a:solidFill>
+                    <a:srgbClr val="2F528F"/>
+                  </a:solidFill>
+                </a:ln>
+              </p:spPr>
+              <p:style>
+                <a:lnRef idx="1">
+                  <a:schemeClr val="accent1"/>
+                </a:lnRef>
+                <a:fillRef idx="0">
+                  <a:schemeClr val="accent1"/>
+                </a:fillRef>
+                <a:effectRef idx="0">
+                  <a:schemeClr val="accent1"/>
+                </a:effectRef>
+                <a:fontRef idx="minor">
+                  <a:schemeClr val="tx1"/>
+                </a:fontRef>
+              </p:style>
+            </p:cxnSp>
+          </p:grpSp>
         </p:grpSp>
+        <p:sp>
+          <p:nvSpPr>
+            <p:cNvPr id="169" name="TextBox 168">
+              <a:extLst>
+                <a:ext uri="{FF2B5EF4-FFF2-40B4-BE49-F238E27FC236}">
+                  <a16:creationId xmlns:a16="http://schemas.microsoft.com/office/drawing/2014/main" id="{CF6B9A74-12E2-B751-D315-5D40418DC5A1}"/>
+                </a:ext>
+              </a:extLst>
+            </p:cNvPr>
+            <p:cNvSpPr txBox="1"/>
+            <p:nvPr/>
+          </p:nvSpPr>
+          <p:spPr>
+            <a:xfrm>
+              <a:off x="8542513" y="4048333"/>
+              <a:ext cx="1157688" cy="369332"/>
+            </a:xfrm>
+            <a:prstGeom prst="rect">
+              <a:avLst/>
+            </a:prstGeom>
+            <a:noFill/>
+          </p:spPr>
+          <p:txBody>
+            <a:bodyPr wrap="none" rtlCol="0">
+              <a:spAutoFit/>
+            </a:bodyPr>
+            <a:lstStyle/>
+            <a:p>
+              <a:pPr algn="ctr"/>
+              <a:r>
+                <a:rPr lang="en-US" dirty="0"/>
+                <a:t>timeseries</a:t>
+              </a:r>
+            </a:p>
+          </p:txBody>
+        </p:sp>
+        <p:sp>
+          <p:nvSpPr>
+            <p:cNvPr id="53" name="Arc 52">
+              <a:extLst>
+                <a:ext uri="{FF2B5EF4-FFF2-40B4-BE49-F238E27FC236}">
+                  <a16:creationId xmlns:a16="http://schemas.microsoft.com/office/drawing/2014/main" id="{484A9FE4-6CBD-C820-9830-DB4B08C1F91F}"/>
+                </a:ext>
+              </a:extLst>
+            </p:cNvPr>
+            <p:cNvSpPr/>
+            <p:nvPr/>
+          </p:nvSpPr>
+          <p:spPr>
+            <a:xfrm>
+              <a:off x="8512255" y="2860572"/>
+              <a:ext cx="2547923" cy="2246608"/>
+            </a:xfrm>
+            <a:prstGeom prst="arc">
+              <a:avLst>
+                <a:gd name="adj1" fmla="val 10778599"/>
+                <a:gd name="adj2" fmla="val 16182465"/>
+              </a:avLst>
+            </a:prstGeom>
+            <a:ln w="76200">
+              <a:solidFill>
+                <a:srgbClr val="2F528F"/>
+              </a:solidFill>
+            </a:ln>
+          </p:spPr>
+          <p:style>
+            <a:lnRef idx="1">
+              <a:schemeClr val="accent1"/>
+            </a:lnRef>
+            <a:fillRef idx="0">
+              <a:schemeClr val="accent1"/>
+            </a:fillRef>
+            <a:effectRef idx="0">
+              <a:schemeClr val="accent1"/>
+            </a:effectRef>
+            <a:fontRef idx="minor">
+              <a:schemeClr val="tx1"/>
+            </a:fontRef>
+          </p:style>
+          <p:txBody>
+            <a:bodyPr rtlCol="0" anchor="ctr"/>
+            <a:lstStyle/>
+            <a:p>
+              <a:pPr algn="ctr"/>
+              <a:endParaRPr lang="en-US"/>
+            </a:p>
+          </p:txBody>
+        </p:sp>
       </p:grpSp>
-      <p:sp>
-        <p:nvSpPr>
-          <p:cNvPr id="169" name="TextBox 168">
-            <a:extLst>
-              <a:ext uri="{FF2B5EF4-FFF2-40B4-BE49-F238E27FC236}">
-                <a16:creationId xmlns:a16="http://schemas.microsoft.com/office/drawing/2014/main" id="{CF6B9A74-12E2-B751-D315-5D40418DC5A1}"/>
-              </a:ext>
-            </a:extLst>
-          </p:cNvPr>
-          <p:cNvSpPr txBox="1"/>
-          <p:nvPr/>
-        </p:nvSpPr>
-        <p:spPr>
-          <a:xfrm>
-            <a:off x="8542513" y="4048333"/>
-            <a:ext cx="1157688" cy="369332"/>
-          </a:xfrm>
-          <a:prstGeom prst="rect">
-            <a:avLst/>
-          </a:prstGeom>
-          <a:noFill/>
-        </p:spPr>
-        <p:txBody>
-          <a:bodyPr wrap="none" rtlCol="0">
-            <a:spAutoFit/>
-          </a:bodyPr>
-          <a:lstStyle/>
-          <a:p>
-            <a:pPr algn="ctr"/>
-            <a:r>
-              <a:rPr lang="en-US" dirty="0"/>
-              <a:t>timeseries</a:t>
-            </a:r>
-          </a:p>
-        </p:txBody>
-      </p:sp>
-      <p:sp>
-        <p:nvSpPr>
-          <p:cNvPr id="170" name="TextBox 169">
-            <a:extLst>
-              <a:ext uri="{FF2B5EF4-FFF2-40B4-BE49-F238E27FC236}">
-                <a16:creationId xmlns:a16="http://schemas.microsoft.com/office/drawing/2014/main" id="{B0C08322-9882-546C-37D8-B51771299520}"/>
-              </a:ext>
-            </a:extLst>
-          </p:cNvPr>
-          <p:cNvSpPr txBox="1"/>
-          <p:nvPr/>
-        </p:nvSpPr>
-        <p:spPr>
-          <a:xfrm>
-            <a:off x="2488310" y="6317125"/>
-            <a:ext cx="1228093" cy="369332"/>
-          </a:xfrm>
-          <a:prstGeom prst="rect">
-            <a:avLst/>
-          </a:prstGeom>
-          <a:noFill/>
-        </p:spPr>
-        <p:txBody>
-          <a:bodyPr wrap="none" rtlCol="0">
-            <a:spAutoFit/>
-          </a:bodyPr>
-          <a:lstStyle/>
-          <a:p>
-            <a:pPr algn="ctr"/>
-            <a:r>
-              <a:rPr lang="en-US" dirty="0"/>
-              <a:t>Categorical</a:t>
-            </a:r>
-          </a:p>
-        </p:txBody>
-      </p:sp>
-      <p:sp>
-        <p:nvSpPr>
-          <p:cNvPr id="171" name="TextBox 170">
-            <a:extLst>
-              <a:ext uri="{FF2B5EF4-FFF2-40B4-BE49-F238E27FC236}">
-                <a16:creationId xmlns:a16="http://schemas.microsoft.com/office/drawing/2014/main" id="{1FC493FF-8C8F-628E-886D-C6E2A257944A}"/>
-              </a:ext>
-            </a:extLst>
-          </p:cNvPr>
-          <p:cNvSpPr txBox="1"/>
-          <p:nvPr/>
-        </p:nvSpPr>
-        <p:spPr>
-          <a:xfrm>
-            <a:off x="4830699" y="6317125"/>
-            <a:ext cx="679610" cy="369332"/>
-          </a:xfrm>
-          <a:prstGeom prst="rect">
-            <a:avLst/>
-          </a:prstGeom>
-          <a:noFill/>
-        </p:spPr>
-        <p:txBody>
-          <a:bodyPr wrap="none" rtlCol="0">
-            <a:spAutoFit/>
-          </a:bodyPr>
-          <a:lstStyle/>
-          <a:p>
-            <a:pPr algn="ctr"/>
-            <a:r>
-              <a:rPr lang="en-US" dirty="0"/>
-              <a:t>Table</a:t>
-            </a:r>
-          </a:p>
-        </p:txBody>
-      </p:sp>
-      <p:sp>
-        <p:nvSpPr>
-          <p:cNvPr id="172" name="TextBox 171">
-            <a:extLst>
-              <a:ext uri="{FF2B5EF4-FFF2-40B4-BE49-F238E27FC236}">
-                <a16:creationId xmlns:a16="http://schemas.microsoft.com/office/drawing/2014/main" id="{F0151844-D244-215C-F2E7-BD512E99E6F1}"/>
-              </a:ext>
-            </a:extLst>
-          </p:cNvPr>
-          <p:cNvSpPr txBox="1"/>
-          <p:nvPr/>
-        </p:nvSpPr>
-        <p:spPr>
-          <a:xfrm>
-            <a:off x="6353451" y="6317125"/>
-            <a:ext cx="1614289" cy="369332"/>
-          </a:xfrm>
-          <a:prstGeom prst="rect">
-            <a:avLst/>
-          </a:prstGeom>
-          <a:noFill/>
-        </p:spPr>
-        <p:txBody>
-          <a:bodyPr wrap="none" rtlCol="0">
-            <a:spAutoFit/>
-          </a:bodyPr>
-          <a:lstStyle/>
-          <a:p>
-            <a:pPr algn="ctr"/>
-            <a:r>
-              <a:rPr lang="en-US" dirty="0"/>
-              <a:t>general objects</a:t>
-            </a:r>
-          </a:p>
-        </p:txBody>
-      </p:sp>
     </p:spTree>
     <p:extLst>
       <p:ext uri="{BB962C8B-B14F-4D97-AF65-F5344CB8AC3E}">

--- a/Wikidocs/variable_icons.pptx
+++ b/Wikidocs/variable_icons.pptx
@@ -6,6 +6,7 @@
   </p:sldMasterIdLst>
   <p:sldIdLst>
     <p:sldId id="256" r:id="rId2"/>
+    <p:sldId id="257" r:id="rId3"/>
   </p:sldIdLst>
   <p:sldSz cx="12192000" cy="6858000"/>
   <p:notesSz cx="6858000" cy="9144000"/>
@@ -259,7 +260,7 @@
           <a:p>
             <a:fld id="{FB4E8B56-EE13-4C77-84B6-FA7DE9B8063B}" type="datetimeFigureOut">
               <a:rPr lang="en-US" smtClean="0"/>
-              <a:t>12/14/2022</a:t>
+              <a:t>12/19/2022</a:t>
             </a:fld>
             <a:endParaRPr lang="en-US"/>
           </a:p>
@@ -457,7 +458,7 @@
           <a:p>
             <a:fld id="{FB4E8B56-EE13-4C77-84B6-FA7DE9B8063B}" type="datetimeFigureOut">
               <a:rPr lang="en-US" smtClean="0"/>
-              <a:t>12/14/2022</a:t>
+              <a:t>12/19/2022</a:t>
             </a:fld>
             <a:endParaRPr lang="en-US"/>
           </a:p>
@@ -665,7 +666,7 @@
           <a:p>
             <a:fld id="{FB4E8B56-EE13-4C77-84B6-FA7DE9B8063B}" type="datetimeFigureOut">
               <a:rPr lang="en-US" smtClean="0"/>
-              <a:t>12/14/2022</a:t>
+              <a:t>12/19/2022</a:t>
             </a:fld>
             <a:endParaRPr lang="en-US"/>
           </a:p>
@@ -863,7 +864,7 @@
           <a:p>
             <a:fld id="{FB4E8B56-EE13-4C77-84B6-FA7DE9B8063B}" type="datetimeFigureOut">
               <a:rPr lang="en-US" smtClean="0"/>
-              <a:t>12/14/2022</a:t>
+              <a:t>12/19/2022</a:t>
             </a:fld>
             <a:endParaRPr lang="en-US"/>
           </a:p>
@@ -1138,7 +1139,7 @@
           <a:p>
             <a:fld id="{FB4E8B56-EE13-4C77-84B6-FA7DE9B8063B}" type="datetimeFigureOut">
               <a:rPr lang="en-US" smtClean="0"/>
-              <a:t>12/14/2022</a:t>
+              <a:t>12/19/2022</a:t>
             </a:fld>
             <a:endParaRPr lang="en-US"/>
           </a:p>
@@ -1403,7 +1404,7 @@
           <a:p>
             <a:fld id="{FB4E8B56-EE13-4C77-84B6-FA7DE9B8063B}" type="datetimeFigureOut">
               <a:rPr lang="en-US" smtClean="0"/>
-              <a:t>12/14/2022</a:t>
+              <a:t>12/19/2022</a:t>
             </a:fld>
             <a:endParaRPr lang="en-US"/>
           </a:p>
@@ -1815,7 +1816,7 @@
           <a:p>
             <a:fld id="{FB4E8B56-EE13-4C77-84B6-FA7DE9B8063B}" type="datetimeFigureOut">
               <a:rPr lang="en-US" smtClean="0"/>
-              <a:t>12/14/2022</a:t>
+              <a:t>12/19/2022</a:t>
             </a:fld>
             <a:endParaRPr lang="en-US"/>
           </a:p>
@@ -1956,7 +1957,7 @@
           <a:p>
             <a:fld id="{FB4E8B56-EE13-4C77-84B6-FA7DE9B8063B}" type="datetimeFigureOut">
               <a:rPr lang="en-US" smtClean="0"/>
-              <a:t>12/14/2022</a:t>
+              <a:t>12/19/2022</a:t>
             </a:fld>
             <a:endParaRPr lang="en-US"/>
           </a:p>
@@ -2069,7 +2070,7 @@
           <a:p>
             <a:fld id="{FB4E8B56-EE13-4C77-84B6-FA7DE9B8063B}" type="datetimeFigureOut">
               <a:rPr lang="en-US" smtClean="0"/>
-              <a:t>12/14/2022</a:t>
+              <a:t>12/19/2022</a:t>
             </a:fld>
             <a:endParaRPr lang="en-US"/>
           </a:p>
@@ -2380,7 +2381,7 @@
           <a:p>
             <a:fld id="{FB4E8B56-EE13-4C77-84B6-FA7DE9B8063B}" type="datetimeFigureOut">
               <a:rPr lang="en-US" smtClean="0"/>
-              <a:t>12/14/2022</a:t>
+              <a:t>12/19/2022</a:t>
             </a:fld>
             <a:endParaRPr lang="en-US"/>
           </a:p>
@@ -2668,7 +2669,7 @@
           <a:p>
             <a:fld id="{FB4E8B56-EE13-4C77-84B6-FA7DE9B8063B}" type="datetimeFigureOut">
               <a:rPr lang="en-US" smtClean="0"/>
-              <a:t>12/14/2022</a:t>
+              <a:t>12/19/2022</a:t>
             </a:fld>
             <a:endParaRPr lang="en-US"/>
           </a:p>
@@ -2909,7 +2910,7 @@
           <a:p>
             <a:fld id="{FB4E8B56-EE13-4C77-84B6-FA7DE9B8063B}" type="datetimeFigureOut">
               <a:rPr lang="en-US" smtClean="0"/>
-              <a:t>12/14/2022</a:t>
+              <a:t>12/19/2022</a:t>
             </a:fld>
             <a:endParaRPr lang="en-US"/>
           </a:p>
@@ -7901,6 +7902,528 @@
 </p:sld>
 </file>
 
+<file path=ppt/slides/slide2.xml><?xml version="1.0" encoding="utf-8"?>
+<p:sld xmlns:a="http://schemas.openxmlformats.org/drawingml/2006/main" xmlns:r="http://schemas.openxmlformats.org/officeDocument/2006/relationships" xmlns:p="http://schemas.openxmlformats.org/presentationml/2006/main">
+  <p:cSld>
+    <p:spTree>
+      <p:nvGrpSpPr>
+        <p:cNvPr id="1" name=""/>
+        <p:cNvGrpSpPr/>
+        <p:nvPr/>
+      </p:nvGrpSpPr>
+      <p:grpSpPr>
+        <a:xfrm>
+          <a:off x="0" y="0"/>
+          <a:ext cx="0" cy="0"/>
+          <a:chOff x="0" y="0"/>
+          <a:chExt cx="0" cy="0"/>
+        </a:xfrm>
+      </p:grpSpPr>
+      <p:sp>
+        <p:nvSpPr>
+          <p:cNvPr id="4" name="Rectangle 3">
+            <a:extLst>
+              <a:ext uri="{FF2B5EF4-FFF2-40B4-BE49-F238E27FC236}">
+                <a16:creationId xmlns:a16="http://schemas.microsoft.com/office/drawing/2014/main" id="{D6369B84-737B-2E6E-DB8F-0D5A01398222}"/>
+              </a:ext>
+            </a:extLst>
+          </p:cNvPr>
+          <p:cNvSpPr/>
+          <p:nvPr/>
+        </p:nvSpPr>
+        <p:spPr>
+          <a:xfrm>
+            <a:off x="3968750" y="1684867"/>
+            <a:ext cx="914400" cy="914400"/>
+          </a:xfrm>
+          <a:prstGeom prst="rect">
+            <a:avLst/>
+          </a:prstGeom>
+          <a:solidFill>
+            <a:schemeClr val="bg1"/>
+          </a:solidFill>
+          <a:ln w="19050">
+            <a:solidFill>
+              <a:schemeClr val="tx1"/>
+            </a:solidFill>
+          </a:ln>
+        </p:spPr>
+        <p:style>
+          <a:lnRef idx="2">
+            <a:schemeClr val="accent1">
+              <a:shade val="50000"/>
+            </a:schemeClr>
+          </a:lnRef>
+          <a:fillRef idx="1">
+            <a:schemeClr val="accent1"/>
+          </a:fillRef>
+          <a:effectRef idx="0">
+            <a:schemeClr val="accent1"/>
+          </a:effectRef>
+          <a:fontRef idx="minor">
+            <a:schemeClr val="lt1"/>
+          </a:fontRef>
+        </p:style>
+        <p:txBody>
+          <a:bodyPr rtlCol="0" anchor="ctr"/>
+          <a:lstStyle/>
+          <a:p>
+            <a:pPr algn="ctr"/>
+            <a:endParaRPr lang="en-US"/>
+          </a:p>
+        </p:txBody>
+      </p:sp>
+      <p:sp>
+        <p:nvSpPr>
+          <p:cNvPr id="5" name="Rectangle 4">
+            <a:extLst>
+              <a:ext uri="{FF2B5EF4-FFF2-40B4-BE49-F238E27FC236}">
+                <a16:creationId xmlns:a16="http://schemas.microsoft.com/office/drawing/2014/main" id="{03452959-6679-BAED-2973-ACDBD2DF0A83}"/>
+              </a:ext>
+            </a:extLst>
+          </p:cNvPr>
+          <p:cNvSpPr/>
+          <p:nvPr/>
+        </p:nvSpPr>
+        <p:spPr>
+          <a:xfrm>
+            <a:off x="4883150" y="1684867"/>
+            <a:ext cx="914400" cy="914400"/>
+          </a:xfrm>
+          <a:prstGeom prst="rect">
+            <a:avLst/>
+          </a:prstGeom>
+          <a:solidFill>
+            <a:schemeClr val="bg1"/>
+          </a:solidFill>
+          <a:ln w="19050">
+            <a:solidFill>
+              <a:schemeClr val="tx1"/>
+            </a:solidFill>
+          </a:ln>
+        </p:spPr>
+        <p:style>
+          <a:lnRef idx="2">
+            <a:schemeClr val="accent1">
+              <a:shade val="50000"/>
+            </a:schemeClr>
+          </a:lnRef>
+          <a:fillRef idx="1">
+            <a:schemeClr val="accent1"/>
+          </a:fillRef>
+          <a:effectRef idx="0">
+            <a:schemeClr val="accent1"/>
+          </a:effectRef>
+          <a:fontRef idx="minor">
+            <a:schemeClr val="lt1"/>
+          </a:fontRef>
+        </p:style>
+        <p:txBody>
+          <a:bodyPr rtlCol="0" anchor="ctr"/>
+          <a:lstStyle/>
+          <a:p>
+            <a:pPr algn="ctr"/>
+            <a:endParaRPr lang="en-US"/>
+          </a:p>
+        </p:txBody>
+      </p:sp>
+      <p:sp>
+        <p:nvSpPr>
+          <p:cNvPr id="6" name="Rectangle 5">
+            <a:extLst>
+              <a:ext uri="{FF2B5EF4-FFF2-40B4-BE49-F238E27FC236}">
+                <a16:creationId xmlns:a16="http://schemas.microsoft.com/office/drawing/2014/main" id="{908AAE26-804E-B833-ED5A-B49D9F230D12}"/>
+              </a:ext>
+            </a:extLst>
+          </p:cNvPr>
+          <p:cNvSpPr/>
+          <p:nvPr/>
+        </p:nvSpPr>
+        <p:spPr>
+          <a:xfrm>
+            <a:off x="5797550" y="1684867"/>
+            <a:ext cx="914400" cy="914400"/>
+          </a:xfrm>
+          <a:prstGeom prst="rect">
+            <a:avLst/>
+          </a:prstGeom>
+          <a:solidFill>
+            <a:schemeClr val="bg1"/>
+          </a:solidFill>
+          <a:ln w="19050">
+            <a:solidFill>
+              <a:schemeClr val="tx1"/>
+            </a:solidFill>
+          </a:ln>
+        </p:spPr>
+        <p:style>
+          <a:lnRef idx="2">
+            <a:schemeClr val="accent1">
+              <a:shade val="50000"/>
+            </a:schemeClr>
+          </a:lnRef>
+          <a:fillRef idx="1">
+            <a:schemeClr val="accent1"/>
+          </a:fillRef>
+          <a:effectRef idx="0">
+            <a:schemeClr val="accent1"/>
+          </a:effectRef>
+          <a:fontRef idx="minor">
+            <a:schemeClr val="lt1"/>
+          </a:fontRef>
+        </p:style>
+        <p:txBody>
+          <a:bodyPr rtlCol="0" anchor="ctr"/>
+          <a:lstStyle/>
+          <a:p>
+            <a:pPr algn="ctr"/>
+            <a:endParaRPr lang="en-US"/>
+          </a:p>
+        </p:txBody>
+      </p:sp>
+      <p:sp>
+        <p:nvSpPr>
+          <p:cNvPr id="7" name="TextBox 6">
+            <a:extLst>
+              <a:ext uri="{FF2B5EF4-FFF2-40B4-BE49-F238E27FC236}">
+                <a16:creationId xmlns:a16="http://schemas.microsoft.com/office/drawing/2014/main" id="{700E5995-1C97-FA39-F1D0-14D955F80222}"/>
+              </a:ext>
+            </a:extLst>
+          </p:cNvPr>
+          <p:cNvSpPr txBox="1"/>
+          <p:nvPr/>
+        </p:nvSpPr>
+        <p:spPr>
+          <a:xfrm>
+            <a:off x="2725121" y="1818901"/>
+            <a:ext cx="1186479" cy="646331"/>
+          </a:xfrm>
+          <a:prstGeom prst="rect">
+            <a:avLst/>
+          </a:prstGeom>
+          <a:noFill/>
+        </p:spPr>
+        <p:txBody>
+          <a:bodyPr wrap="none" rtlCol="0">
+            <a:spAutoFit/>
+          </a:bodyPr>
+          <a:lstStyle/>
+          <a:p>
+            <a:pPr algn="ctr"/>
+            <a:r>
+              <a:rPr lang="en-US" sz="3600" dirty="0"/>
+              <a:t>‘abc’:</a:t>
+            </a:r>
+          </a:p>
+        </p:txBody>
+      </p:sp>
+      <p:sp>
+        <p:nvSpPr>
+          <p:cNvPr id="9" name="TextBox 8">
+            <a:extLst>
+              <a:ext uri="{FF2B5EF4-FFF2-40B4-BE49-F238E27FC236}">
+                <a16:creationId xmlns:a16="http://schemas.microsoft.com/office/drawing/2014/main" id="{DE59BADF-C446-4BAE-2C52-F3D667AEC692}"/>
+              </a:ext>
+            </a:extLst>
+          </p:cNvPr>
+          <p:cNvSpPr txBox="1"/>
+          <p:nvPr/>
+        </p:nvSpPr>
+        <p:spPr>
+          <a:xfrm>
+            <a:off x="4265083" y="1757346"/>
+            <a:ext cx="321733" cy="707886"/>
+          </a:xfrm>
+          <a:prstGeom prst="rect">
+            <a:avLst/>
+          </a:prstGeom>
+          <a:noFill/>
+        </p:spPr>
+        <p:txBody>
+          <a:bodyPr wrap="square" anchor="ctr">
+            <a:spAutoFit/>
+          </a:bodyPr>
+          <a:lstStyle/>
+          <a:p>
+            <a:pPr algn="ctr"/>
+            <a:r>
+              <a:rPr lang="en-US" sz="4000" dirty="0"/>
+              <a:t>a</a:t>
+            </a:r>
+          </a:p>
+        </p:txBody>
+      </p:sp>
+      <p:sp>
+        <p:nvSpPr>
+          <p:cNvPr id="10" name="TextBox 9">
+            <a:extLst>
+              <a:ext uri="{FF2B5EF4-FFF2-40B4-BE49-F238E27FC236}">
+                <a16:creationId xmlns:a16="http://schemas.microsoft.com/office/drawing/2014/main" id="{3537EBBD-9501-24EE-6FF1-78A906A1D0BE}"/>
+              </a:ext>
+            </a:extLst>
+          </p:cNvPr>
+          <p:cNvSpPr txBox="1"/>
+          <p:nvPr/>
+        </p:nvSpPr>
+        <p:spPr>
+          <a:xfrm>
+            <a:off x="5179483" y="1757346"/>
+            <a:ext cx="321733" cy="707886"/>
+          </a:xfrm>
+          <a:prstGeom prst="rect">
+            <a:avLst/>
+          </a:prstGeom>
+          <a:noFill/>
+        </p:spPr>
+        <p:txBody>
+          <a:bodyPr wrap="square" anchor="ctr">
+            <a:spAutoFit/>
+          </a:bodyPr>
+          <a:lstStyle/>
+          <a:p>
+            <a:pPr algn="ctr"/>
+            <a:r>
+              <a:rPr lang="en-US" sz="4000" dirty="0"/>
+              <a:t>b</a:t>
+            </a:r>
+          </a:p>
+        </p:txBody>
+      </p:sp>
+      <p:sp>
+        <p:nvSpPr>
+          <p:cNvPr id="11" name="TextBox 10">
+            <a:extLst>
+              <a:ext uri="{FF2B5EF4-FFF2-40B4-BE49-F238E27FC236}">
+                <a16:creationId xmlns:a16="http://schemas.microsoft.com/office/drawing/2014/main" id="{8754ECE6-87E2-02A4-10B0-1BEB9D5CE254}"/>
+              </a:ext>
+            </a:extLst>
+          </p:cNvPr>
+          <p:cNvSpPr txBox="1"/>
+          <p:nvPr/>
+        </p:nvSpPr>
+        <p:spPr>
+          <a:xfrm>
+            <a:off x="6093883" y="1757346"/>
+            <a:ext cx="321733" cy="707886"/>
+          </a:xfrm>
+          <a:prstGeom prst="rect">
+            <a:avLst/>
+          </a:prstGeom>
+          <a:noFill/>
+        </p:spPr>
+        <p:txBody>
+          <a:bodyPr wrap="square" anchor="ctr">
+            <a:spAutoFit/>
+          </a:bodyPr>
+          <a:lstStyle/>
+          <a:p>
+            <a:pPr algn="ctr"/>
+            <a:r>
+              <a:rPr lang="en-US" sz="4000" dirty="0"/>
+              <a:t>c</a:t>
+            </a:r>
+          </a:p>
+        </p:txBody>
+      </p:sp>
+      <p:sp>
+        <p:nvSpPr>
+          <p:cNvPr id="12" name="Rectangle 11">
+            <a:extLst>
+              <a:ext uri="{FF2B5EF4-FFF2-40B4-BE49-F238E27FC236}">
+                <a16:creationId xmlns:a16="http://schemas.microsoft.com/office/drawing/2014/main" id="{C8FDCE8B-19F6-E346-F855-3DE2BCC2DC83}"/>
+              </a:ext>
+            </a:extLst>
+          </p:cNvPr>
+          <p:cNvSpPr/>
+          <p:nvPr/>
+        </p:nvSpPr>
+        <p:spPr>
+          <a:xfrm>
+            <a:off x="3968750" y="2971800"/>
+            <a:ext cx="2743200" cy="914400"/>
+          </a:xfrm>
+          <a:prstGeom prst="rect">
+            <a:avLst/>
+          </a:prstGeom>
+          <a:solidFill>
+            <a:schemeClr val="bg1"/>
+          </a:solidFill>
+          <a:ln w="19050">
+            <a:solidFill>
+              <a:schemeClr val="tx1"/>
+            </a:solidFill>
+          </a:ln>
+        </p:spPr>
+        <p:style>
+          <a:lnRef idx="2">
+            <a:schemeClr val="accent1">
+              <a:shade val="50000"/>
+            </a:schemeClr>
+          </a:lnRef>
+          <a:fillRef idx="1">
+            <a:schemeClr val="accent1"/>
+          </a:fillRef>
+          <a:effectRef idx="0">
+            <a:schemeClr val="accent1"/>
+          </a:effectRef>
+          <a:fontRef idx="minor">
+            <a:schemeClr val="lt1"/>
+          </a:fontRef>
+        </p:style>
+        <p:txBody>
+          <a:bodyPr rtlCol="0" anchor="ctr"/>
+          <a:lstStyle/>
+          <a:p>
+            <a:pPr algn="ctr"/>
+            <a:endParaRPr lang="en-US"/>
+          </a:p>
+        </p:txBody>
+      </p:sp>
+      <p:sp>
+        <p:nvSpPr>
+          <p:cNvPr id="15" name="TextBox 14">
+            <a:extLst>
+              <a:ext uri="{FF2B5EF4-FFF2-40B4-BE49-F238E27FC236}">
+                <a16:creationId xmlns:a16="http://schemas.microsoft.com/office/drawing/2014/main" id="{7CC979C9-4A94-2C00-1ACA-23B27CC1B3EB}"/>
+              </a:ext>
+            </a:extLst>
+          </p:cNvPr>
+          <p:cNvSpPr txBox="1"/>
+          <p:nvPr/>
+        </p:nvSpPr>
+        <p:spPr>
+          <a:xfrm>
+            <a:off x="2646574" y="3105834"/>
+            <a:ext cx="1343574" cy="646331"/>
+          </a:xfrm>
+          <a:prstGeom prst="rect">
+            <a:avLst/>
+          </a:prstGeom>
+          <a:noFill/>
+        </p:spPr>
+        <p:txBody>
+          <a:bodyPr wrap="none" rtlCol="0">
+            <a:spAutoFit/>
+          </a:bodyPr>
+          <a:lstStyle/>
+          <a:p>
+            <a:pPr algn="ctr"/>
+            <a:r>
+              <a:rPr lang="en-US" sz="3600" dirty="0"/>
+              <a:t>“abc”:</a:t>
+            </a:r>
+          </a:p>
+        </p:txBody>
+      </p:sp>
+      <p:sp>
+        <p:nvSpPr>
+          <p:cNvPr id="16" name="TextBox 15">
+            <a:extLst>
+              <a:ext uri="{FF2B5EF4-FFF2-40B4-BE49-F238E27FC236}">
+                <a16:creationId xmlns:a16="http://schemas.microsoft.com/office/drawing/2014/main" id="{1CDC2FBC-BA1B-74EE-2987-D7368B4BF3DB}"/>
+              </a:ext>
+            </a:extLst>
+          </p:cNvPr>
+          <p:cNvSpPr txBox="1"/>
+          <p:nvPr/>
+        </p:nvSpPr>
+        <p:spPr>
+          <a:xfrm>
+            <a:off x="4883150" y="3044280"/>
+            <a:ext cx="914400" cy="707886"/>
+          </a:xfrm>
+          <a:prstGeom prst="rect">
+            <a:avLst/>
+          </a:prstGeom>
+          <a:noFill/>
+        </p:spPr>
+        <p:txBody>
+          <a:bodyPr wrap="square" anchor="ctr">
+            <a:spAutoFit/>
+          </a:bodyPr>
+          <a:lstStyle/>
+          <a:p>
+            <a:pPr algn="ctr"/>
+            <a:r>
+              <a:rPr lang="en-US" sz="4000" dirty="0"/>
+              <a:t>abc</a:t>
+            </a:r>
+          </a:p>
+        </p:txBody>
+      </p:sp>
+      <p:pic>
+        <p:nvPicPr>
+          <p:cNvPr id="25" name="Picture 24">
+            <a:extLst>
+              <a:ext uri="{FF2B5EF4-FFF2-40B4-BE49-F238E27FC236}">
+                <a16:creationId xmlns:a16="http://schemas.microsoft.com/office/drawing/2014/main" id="{10FCAF48-C9E9-AD14-4593-281BEF322EFD}"/>
+              </a:ext>
+            </a:extLst>
+          </p:cNvPr>
+          <p:cNvPicPr>
+            <a:picLocks noChangeAspect="1"/>
+          </p:cNvPicPr>
+          <p:nvPr/>
+        </p:nvPicPr>
+        <p:blipFill>
+          <a:blip r:embed="rId2"/>
+          <a:stretch>
+            <a:fillRect/>
+          </a:stretch>
+        </p:blipFill>
+        <p:spPr>
+          <a:xfrm>
+            <a:off x="2030908" y="1962244"/>
+            <a:ext cx="675496" cy="531657"/>
+          </a:xfrm>
+          <a:prstGeom prst="rect">
+            <a:avLst/>
+          </a:prstGeom>
+        </p:spPr>
+      </p:pic>
+      <p:pic>
+        <p:nvPicPr>
+          <p:cNvPr id="26" name="Picture 25">
+            <a:extLst>
+              <a:ext uri="{FF2B5EF4-FFF2-40B4-BE49-F238E27FC236}">
+                <a16:creationId xmlns:a16="http://schemas.microsoft.com/office/drawing/2014/main" id="{45999ECC-5C30-4EE5-A4EC-02FE31A77F11}"/>
+              </a:ext>
+            </a:extLst>
+          </p:cNvPr>
+          <p:cNvPicPr>
+            <a:picLocks noChangeAspect="1"/>
+          </p:cNvPicPr>
+          <p:nvPr/>
+        </p:nvPicPr>
+        <p:blipFill>
+          <a:blip r:embed="rId3"/>
+          <a:stretch>
+            <a:fillRect/>
+          </a:stretch>
+        </p:blipFill>
+        <p:spPr>
+          <a:xfrm>
+            <a:off x="2030908" y="3163170"/>
+            <a:ext cx="684600" cy="531657"/>
+          </a:xfrm>
+          <a:prstGeom prst="rect">
+            <a:avLst/>
+          </a:prstGeom>
+        </p:spPr>
+      </p:pic>
+    </p:spTree>
+    <p:extLst>
+      <p:ext uri="{BB962C8B-B14F-4D97-AF65-F5344CB8AC3E}">
+        <p14:creationId xmlns:p14="http://schemas.microsoft.com/office/powerpoint/2010/main" val="3104240963"/>
+      </p:ext>
+    </p:extLst>
+  </p:cSld>
+  <p:clrMapOvr>
+    <a:masterClrMapping/>
+  </p:clrMapOvr>
+</p:sld>
+</file>
+
 <file path=ppt/theme/theme1.xml><?xml version="1.0" encoding="utf-8"?>
 <a:theme xmlns:a="http://schemas.openxmlformats.org/drawingml/2006/main" name="Office Theme">
   <a:themeElements>
